--- a/Fig. 1_updated0 -to Nicole.pptx
+++ b/Fig. 1_updated0 -to Nicole.pptx
@@ -5,10 +5,14 @@
     <p:sldMasterId id="2147483660" r:id="rId1"/>
   </p:sldMasterIdLst>
   <p:notesMasterIdLst>
-    <p:notesMasterId r:id="rId3"/>
+    <p:notesMasterId r:id="rId7"/>
   </p:notesMasterIdLst>
   <p:sldIdLst>
     <p:sldId id="264" r:id="rId2"/>
+    <p:sldId id="265" r:id="rId3"/>
+    <p:sldId id="266" r:id="rId4"/>
+    <p:sldId id="268" r:id="rId5"/>
+    <p:sldId id="267" r:id="rId6"/>
   </p:sldIdLst>
   <p:sldSz cx="9144000" cy="6858000" type="screen4x3"/>
   <p:notesSz cx="6858000" cy="9144000"/>
@@ -197,7 +201,7 @@
           <a:p>
             <a:fld id="{50D27DF9-C019-47AF-AC01-E4894084BABB}" type="datetimeFigureOut">
               <a:rPr lang="en-US" smtClean="0"/>
-              <a:t>1/14/2023</a:t>
+              <a:t>1/22/2023</a:t>
             </a:fld>
             <a:endParaRPr lang="en-US"/>
           </a:p>
@@ -548,6 +552,342 @@
 </p:notes>
 </file>
 
+<file path=ppt/notesSlides/notesSlide2.xml><?xml version="1.0" encoding="utf-8"?>
+<p:notes xmlns:a="http://schemas.openxmlformats.org/drawingml/2006/main" xmlns:r="http://schemas.openxmlformats.org/officeDocument/2006/relationships" xmlns:p="http://schemas.openxmlformats.org/presentationml/2006/main">
+  <p:cSld>
+    <p:spTree>
+      <p:nvGrpSpPr>
+        <p:cNvPr id="1" name=""/>
+        <p:cNvGrpSpPr/>
+        <p:nvPr/>
+      </p:nvGrpSpPr>
+      <p:grpSpPr>
+        <a:xfrm>
+          <a:off x="0" y="0"/>
+          <a:ext cx="0" cy="0"/>
+          <a:chOff x="0" y="0"/>
+          <a:chExt cx="0" cy="0"/>
+        </a:xfrm>
+      </p:grpSpPr>
+      <p:sp>
+        <p:nvSpPr>
+          <p:cNvPr id="2" name="Slide Image Placeholder 1"/>
+          <p:cNvSpPr>
+            <a:spLocks noGrp="1" noRot="1" noChangeAspect="1"/>
+          </p:cNvSpPr>
+          <p:nvPr>
+            <p:ph type="sldImg"/>
+          </p:nvPr>
+        </p:nvSpPr>
+        <p:spPr/>
+      </p:sp>
+      <p:sp>
+        <p:nvSpPr>
+          <p:cNvPr id="3" name="Notes Placeholder 2"/>
+          <p:cNvSpPr>
+            <a:spLocks noGrp="1"/>
+          </p:cNvSpPr>
+          <p:nvPr>
+            <p:ph type="body" idx="1"/>
+          </p:nvPr>
+        </p:nvSpPr>
+        <p:spPr/>
+        <p:txBody>
+          <a:bodyPr/>
+          <a:lstStyle/>
+          <a:p>
+            <a:endParaRPr lang="en-US" dirty="0"/>
+          </a:p>
+        </p:txBody>
+      </p:sp>
+      <p:sp>
+        <p:nvSpPr>
+          <p:cNvPr id="4" name="Slide Number Placeholder 3"/>
+          <p:cNvSpPr>
+            <a:spLocks noGrp="1"/>
+          </p:cNvSpPr>
+          <p:nvPr>
+            <p:ph type="sldNum" sz="quarter" idx="10"/>
+          </p:nvPr>
+        </p:nvSpPr>
+        <p:spPr/>
+        <p:txBody>
+          <a:bodyPr/>
+          <a:lstStyle/>
+          <a:p>
+            <a:fld id="{B6658082-C197-43B8-B9F6-4661FDE664FF}" type="slidenum">
+              <a:rPr lang="en-US" smtClean="0"/>
+              <a:t>2</a:t>
+            </a:fld>
+            <a:endParaRPr lang="en-US"/>
+          </a:p>
+        </p:txBody>
+      </p:sp>
+    </p:spTree>
+    <p:extLst>
+      <p:ext uri="{BB962C8B-B14F-4D97-AF65-F5344CB8AC3E}">
+        <p14:creationId xmlns:p14="http://schemas.microsoft.com/office/powerpoint/2010/main" val="208559668"/>
+      </p:ext>
+    </p:extLst>
+  </p:cSld>
+  <p:clrMapOvr>
+    <a:masterClrMapping/>
+  </p:clrMapOvr>
+</p:notes>
+</file>
+
+<file path=ppt/notesSlides/notesSlide3.xml><?xml version="1.0" encoding="utf-8"?>
+<p:notes xmlns:a="http://schemas.openxmlformats.org/drawingml/2006/main" xmlns:r="http://schemas.openxmlformats.org/officeDocument/2006/relationships" xmlns:p="http://schemas.openxmlformats.org/presentationml/2006/main">
+  <p:cSld>
+    <p:spTree>
+      <p:nvGrpSpPr>
+        <p:cNvPr id="1" name=""/>
+        <p:cNvGrpSpPr/>
+        <p:nvPr/>
+      </p:nvGrpSpPr>
+      <p:grpSpPr>
+        <a:xfrm>
+          <a:off x="0" y="0"/>
+          <a:ext cx="0" cy="0"/>
+          <a:chOff x="0" y="0"/>
+          <a:chExt cx="0" cy="0"/>
+        </a:xfrm>
+      </p:grpSpPr>
+      <p:sp>
+        <p:nvSpPr>
+          <p:cNvPr id="2" name="Slide Image Placeholder 1"/>
+          <p:cNvSpPr>
+            <a:spLocks noGrp="1" noRot="1" noChangeAspect="1"/>
+          </p:cNvSpPr>
+          <p:nvPr>
+            <p:ph type="sldImg"/>
+          </p:nvPr>
+        </p:nvSpPr>
+        <p:spPr/>
+      </p:sp>
+      <p:sp>
+        <p:nvSpPr>
+          <p:cNvPr id="3" name="Notes Placeholder 2"/>
+          <p:cNvSpPr>
+            <a:spLocks noGrp="1"/>
+          </p:cNvSpPr>
+          <p:nvPr>
+            <p:ph type="body" idx="1"/>
+          </p:nvPr>
+        </p:nvSpPr>
+        <p:spPr/>
+        <p:txBody>
+          <a:bodyPr/>
+          <a:lstStyle/>
+          <a:p>
+            <a:endParaRPr lang="en-US" dirty="0"/>
+          </a:p>
+        </p:txBody>
+      </p:sp>
+      <p:sp>
+        <p:nvSpPr>
+          <p:cNvPr id="4" name="Slide Number Placeholder 3"/>
+          <p:cNvSpPr>
+            <a:spLocks noGrp="1"/>
+          </p:cNvSpPr>
+          <p:nvPr>
+            <p:ph type="sldNum" sz="quarter" idx="10"/>
+          </p:nvPr>
+        </p:nvSpPr>
+        <p:spPr/>
+        <p:txBody>
+          <a:bodyPr/>
+          <a:lstStyle/>
+          <a:p>
+            <a:fld id="{B6658082-C197-43B8-B9F6-4661FDE664FF}" type="slidenum">
+              <a:rPr lang="en-US" smtClean="0"/>
+              <a:t>3</a:t>
+            </a:fld>
+            <a:endParaRPr lang="en-US"/>
+          </a:p>
+        </p:txBody>
+      </p:sp>
+    </p:spTree>
+    <p:extLst>
+      <p:ext uri="{BB962C8B-B14F-4D97-AF65-F5344CB8AC3E}">
+        <p14:creationId xmlns:p14="http://schemas.microsoft.com/office/powerpoint/2010/main" val="1771630861"/>
+      </p:ext>
+    </p:extLst>
+  </p:cSld>
+  <p:clrMapOvr>
+    <a:masterClrMapping/>
+  </p:clrMapOvr>
+</p:notes>
+</file>
+
+<file path=ppt/notesSlides/notesSlide4.xml><?xml version="1.0" encoding="utf-8"?>
+<p:notes xmlns:a="http://schemas.openxmlformats.org/drawingml/2006/main" xmlns:r="http://schemas.openxmlformats.org/officeDocument/2006/relationships" xmlns:p="http://schemas.openxmlformats.org/presentationml/2006/main">
+  <p:cSld>
+    <p:spTree>
+      <p:nvGrpSpPr>
+        <p:cNvPr id="1" name=""/>
+        <p:cNvGrpSpPr/>
+        <p:nvPr/>
+      </p:nvGrpSpPr>
+      <p:grpSpPr>
+        <a:xfrm>
+          <a:off x="0" y="0"/>
+          <a:ext cx="0" cy="0"/>
+          <a:chOff x="0" y="0"/>
+          <a:chExt cx="0" cy="0"/>
+        </a:xfrm>
+      </p:grpSpPr>
+      <p:sp>
+        <p:nvSpPr>
+          <p:cNvPr id="2" name="Slide Image Placeholder 1"/>
+          <p:cNvSpPr>
+            <a:spLocks noGrp="1" noRot="1" noChangeAspect="1"/>
+          </p:cNvSpPr>
+          <p:nvPr>
+            <p:ph type="sldImg"/>
+          </p:nvPr>
+        </p:nvSpPr>
+        <p:spPr/>
+      </p:sp>
+      <p:sp>
+        <p:nvSpPr>
+          <p:cNvPr id="3" name="Notes Placeholder 2"/>
+          <p:cNvSpPr>
+            <a:spLocks noGrp="1"/>
+          </p:cNvSpPr>
+          <p:nvPr>
+            <p:ph type="body" idx="1"/>
+          </p:nvPr>
+        </p:nvSpPr>
+        <p:spPr/>
+        <p:txBody>
+          <a:bodyPr/>
+          <a:lstStyle/>
+          <a:p>
+            <a:endParaRPr lang="en-US" dirty="0"/>
+          </a:p>
+        </p:txBody>
+      </p:sp>
+      <p:sp>
+        <p:nvSpPr>
+          <p:cNvPr id="4" name="Slide Number Placeholder 3"/>
+          <p:cNvSpPr>
+            <a:spLocks noGrp="1"/>
+          </p:cNvSpPr>
+          <p:nvPr>
+            <p:ph type="sldNum" sz="quarter" idx="10"/>
+          </p:nvPr>
+        </p:nvSpPr>
+        <p:spPr/>
+        <p:txBody>
+          <a:bodyPr/>
+          <a:lstStyle/>
+          <a:p>
+            <a:fld id="{B6658082-C197-43B8-B9F6-4661FDE664FF}" type="slidenum">
+              <a:rPr lang="en-US" smtClean="0"/>
+              <a:t>4</a:t>
+            </a:fld>
+            <a:endParaRPr lang="en-US"/>
+          </a:p>
+        </p:txBody>
+      </p:sp>
+    </p:spTree>
+    <p:extLst>
+      <p:ext uri="{BB962C8B-B14F-4D97-AF65-F5344CB8AC3E}">
+        <p14:creationId xmlns:p14="http://schemas.microsoft.com/office/powerpoint/2010/main" val="1278289169"/>
+      </p:ext>
+    </p:extLst>
+  </p:cSld>
+  <p:clrMapOvr>
+    <a:masterClrMapping/>
+  </p:clrMapOvr>
+</p:notes>
+</file>
+
+<file path=ppt/notesSlides/notesSlide5.xml><?xml version="1.0" encoding="utf-8"?>
+<p:notes xmlns:a="http://schemas.openxmlformats.org/drawingml/2006/main" xmlns:r="http://schemas.openxmlformats.org/officeDocument/2006/relationships" xmlns:p="http://schemas.openxmlformats.org/presentationml/2006/main">
+  <p:cSld>
+    <p:spTree>
+      <p:nvGrpSpPr>
+        <p:cNvPr id="1" name=""/>
+        <p:cNvGrpSpPr/>
+        <p:nvPr/>
+      </p:nvGrpSpPr>
+      <p:grpSpPr>
+        <a:xfrm>
+          <a:off x="0" y="0"/>
+          <a:ext cx="0" cy="0"/>
+          <a:chOff x="0" y="0"/>
+          <a:chExt cx="0" cy="0"/>
+        </a:xfrm>
+      </p:grpSpPr>
+      <p:sp>
+        <p:nvSpPr>
+          <p:cNvPr id="2" name="Slide Image Placeholder 1"/>
+          <p:cNvSpPr>
+            <a:spLocks noGrp="1" noRot="1" noChangeAspect="1"/>
+          </p:cNvSpPr>
+          <p:nvPr>
+            <p:ph type="sldImg"/>
+          </p:nvPr>
+        </p:nvSpPr>
+        <p:spPr/>
+      </p:sp>
+      <p:sp>
+        <p:nvSpPr>
+          <p:cNvPr id="3" name="Notes Placeholder 2"/>
+          <p:cNvSpPr>
+            <a:spLocks noGrp="1"/>
+          </p:cNvSpPr>
+          <p:nvPr>
+            <p:ph type="body" idx="1"/>
+          </p:nvPr>
+        </p:nvSpPr>
+        <p:spPr/>
+        <p:txBody>
+          <a:bodyPr/>
+          <a:lstStyle/>
+          <a:p>
+            <a:endParaRPr lang="en-US" dirty="0"/>
+          </a:p>
+        </p:txBody>
+      </p:sp>
+      <p:sp>
+        <p:nvSpPr>
+          <p:cNvPr id="4" name="Slide Number Placeholder 3"/>
+          <p:cNvSpPr>
+            <a:spLocks noGrp="1"/>
+          </p:cNvSpPr>
+          <p:nvPr>
+            <p:ph type="sldNum" sz="quarter" idx="10"/>
+          </p:nvPr>
+        </p:nvSpPr>
+        <p:spPr/>
+        <p:txBody>
+          <a:bodyPr/>
+          <a:lstStyle/>
+          <a:p>
+            <a:fld id="{B6658082-C197-43B8-B9F6-4661FDE664FF}" type="slidenum">
+              <a:rPr lang="en-US" smtClean="0"/>
+              <a:t>5</a:t>
+            </a:fld>
+            <a:endParaRPr lang="en-US"/>
+          </a:p>
+        </p:txBody>
+      </p:sp>
+    </p:spTree>
+    <p:extLst>
+      <p:ext uri="{BB962C8B-B14F-4D97-AF65-F5344CB8AC3E}">
+        <p14:creationId xmlns:p14="http://schemas.microsoft.com/office/powerpoint/2010/main" val="2114975736"/>
+      </p:ext>
+    </p:extLst>
+  </p:cSld>
+  <p:clrMapOvr>
+    <a:masterClrMapping/>
+  </p:clrMapOvr>
+</p:notes>
+</file>
+
 <file path=ppt/slideLayouts/slideLayout1.xml><?xml version="1.0" encoding="utf-8"?>
 <p:sldLayout xmlns:a="http://schemas.openxmlformats.org/drawingml/2006/main" xmlns:r="http://schemas.openxmlformats.org/officeDocument/2006/relationships" xmlns:p="http://schemas.openxmlformats.org/presentationml/2006/main" type="title" preserve="1">
   <p:cSld name="Title Slide">
@@ -679,7 +1019,7 @@
           <a:p>
             <a:fld id="{1F3CB690-AD3A-458D-BC2E-E09D8993389B}" type="datetimeFigureOut">
               <a:rPr lang="en-US" smtClean="0"/>
-              <a:t>1/14/2023</a:t>
+              <a:t>1/22/2023</a:t>
             </a:fld>
             <a:endParaRPr lang="en-US"/>
           </a:p>
@@ -849,7 +1189,7 @@
           <a:p>
             <a:fld id="{1F3CB690-AD3A-458D-BC2E-E09D8993389B}" type="datetimeFigureOut">
               <a:rPr lang="en-US" smtClean="0"/>
-              <a:t>1/14/2023</a:t>
+              <a:t>1/22/2023</a:t>
             </a:fld>
             <a:endParaRPr lang="en-US"/>
           </a:p>
@@ -1029,7 +1369,7 @@
           <a:p>
             <a:fld id="{1F3CB690-AD3A-458D-BC2E-E09D8993389B}" type="datetimeFigureOut">
               <a:rPr lang="en-US" smtClean="0"/>
-              <a:t>1/14/2023</a:t>
+              <a:t>1/22/2023</a:t>
             </a:fld>
             <a:endParaRPr lang="en-US"/>
           </a:p>
@@ -1199,7 +1539,7 @@
           <a:p>
             <a:fld id="{1F3CB690-AD3A-458D-BC2E-E09D8993389B}" type="datetimeFigureOut">
               <a:rPr lang="en-US" smtClean="0"/>
-              <a:t>1/14/2023</a:t>
+              <a:t>1/22/2023</a:t>
             </a:fld>
             <a:endParaRPr lang="en-US"/>
           </a:p>
@@ -1443,7 +1783,7 @@
           <a:p>
             <a:fld id="{1F3CB690-AD3A-458D-BC2E-E09D8993389B}" type="datetimeFigureOut">
               <a:rPr lang="en-US" smtClean="0"/>
-              <a:t>1/14/2023</a:t>
+              <a:t>1/22/2023</a:t>
             </a:fld>
             <a:endParaRPr lang="en-US"/>
           </a:p>
@@ -1675,7 +2015,7 @@
           <a:p>
             <a:fld id="{1F3CB690-AD3A-458D-BC2E-E09D8993389B}" type="datetimeFigureOut">
               <a:rPr lang="en-US" smtClean="0"/>
-              <a:t>1/14/2023</a:t>
+              <a:t>1/22/2023</a:t>
             </a:fld>
             <a:endParaRPr lang="en-US"/>
           </a:p>
@@ -2042,7 +2382,7 @@
           <a:p>
             <a:fld id="{1F3CB690-AD3A-458D-BC2E-E09D8993389B}" type="datetimeFigureOut">
               <a:rPr lang="en-US" smtClean="0"/>
-              <a:t>1/14/2023</a:t>
+              <a:t>1/22/2023</a:t>
             </a:fld>
             <a:endParaRPr lang="en-US"/>
           </a:p>
@@ -2160,7 +2500,7 @@
           <a:p>
             <a:fld id="{1F3CB690-AD3A-458D-BC2E-E09D8993389B}" type="datetimeFigureOut">
               <a:rPr lang="en-US" smtClean="0"/>
-              <a:t>1/14/2023</a:t>
+              <a:t>1/22/2023</a:t>
             </a:fld>
             <a:endParaRPr lang="en-US"/>
           </a:p>
@@ -2255,7 +2595,7 @@
           <a:p>
             <a:fld id="{1F3CB690-AD3A-458D-BC2E-E09D8993389B}" type="datetimeFigureOut">
               <a:rPr lang="en-US" smtClean="0"/>
-              <a:t>1/14/2023</a:t>
+              <a:t>1/22/2023</a:t>
             </a:fld>
             <a:endParaRPr lang="en-US"/>
           </a:p>
@@ -2532,7 +2872,7 @@
           <a:p>
             <a:fld id="{1F3CB690-AD3A-458D-BC2E-E09D8993389B}" type="datetimeFigureOut">
               <a:rPr lang="en-US" smtClean="0"/>
-              <a:t>1/14/2023</a:t>
+              <a:t>1/22/2023</a:t>
             </a:fld>
             <a:endParaRPr lang="en-US"/>
           </a:p>
@@ -2789,7 +3129,7 @@
           <a:p>
             <a:fld id="{1F3CB690-AD3A-458D-BC2E-E09D8993389B}" type="datetimeFigureOut">
               <a:rPr lang="en-US" smtClean="0"/>
-              <a:t>1/14/2023</a:t>
+              <a:t>1/22/2023</a:t>
             </a:fld>
             <a:endParaRPr lang="en-US"/>
           </a:p>
@@ -3002,7 +3342,7 @@
           <a:p>
             <a:fld id="{1F3CB690-AD3A-458D-BC2E-E09D8993389B}" type="datetimeFigureOut">
               <a:rPr lang="en-US" smtClean="0"/>
-              <a:t>1/14/2023</a:t>
+              <a:t>1/22/2023</a:t>
             </a:fld>
             <a:endParaRPr lang="en-US"/>
           </a:p>
@@ -3391,6 +3731,1099 @@
 </file>
 
 <file path=ppt/slides/slide1.xml><?xml version="1.0" encoding="utf-8"?>
+<p:sld xmlns:a="http://schemas.openxmlformats.org/drawingml/2006/main" xmlns:r="http://schemas.openxmlformats.org/officeDocument/2006/relationships" xmlns:p="http://schemas.openxmlformats.org/presentationml/2006/main">
+  <p:cSld>
+    <p:spTree>
+      <p:nvGrpSpPr>
+        <p:cNvPr id="1" name=""/>
+        <p:cNvGrpSpPr/>
+        <p:nvPr/>
+      </p:nvGrpSpPr>
+      <p:grpSpPr>
+        <a:xfrm>
+          <a:off x="0" y="0"/>
+          <a:ext cx="0" cy="0"/>
+          <a:chOff x="0" y="0"/>
+          <a:chExt cx="0" cy="0"/>
+        </a:xfrm>
+      </p:grpSpPr>
+      <p:sp>
+        <p:nvSpPr>
+          <p:cNvPr id="40" name="AutoShape 2" descr="data:image/jpeg;base64,/9j/4AAQSkZJRgABAQAAAQABAAD/2wCEAAkGBwgHBgkIBwgKCgkLDRYPDQwMDRsUFRAWIB0iIiAdHx8kKDQsJCYxJx8fLT0tMTU3Ojo6Iys/RD84QzQ5OjcBCgoKDQwNGg8PGjclHyU3Nzc3Nzc3Nzc3Nzc3Nzc3Nzc3Nzc3Nzc3Nzc3Nzc3Nzc3Nzc3Nzc3Nzc3Nzc3Nzc3N//AABEIAGQAZAMBEQACEQEDEQH/xAAbAAABBQEBAAAAAAAAAAAAAAAAAQMEBQcGAv/EAEAQAAECAwUGAgYIAwkAAAAAAAECAwAEEQUSMUFRBhMhIiNCMlIzYXGBkaEHFENjscHh8BVTomJkcnSSsrPR8f/EABsBAQADAQEBAQAAAAAAAAAAAAADBQYEAgEH/8QANBEAAgIBAgQCBwcFAQAAAAAAAAECAxEEMQUSIUETcRQiMlGBscEGYZGh0eHwFSM0UmIl/9oADAMBAAIRAxEAPwDaPD1tcq4QAp5escNIATDra5QAYdb+mAD76mOVYAD/ADstIAPviPcIAM99/TABj1qe4wADid9lpABj19O2uMAHiO+07YAQt7/nrSuVIAXgOrrlABh1vlAAOHWyPbABh1sj2/KADgOscDlAEG1JlTSUBlV112uHYnMxXcR1jor5Y+0/y+86dNUpyzLZFQgusOb1lZDgNalRN7/FqIz9eqtrnzqXUsZQjKPK10OglnkzDKZpOB4FGYOBEaym6N1anHuVFkHXJxY799l5YlPAY9bLSADHrDLKADHrZDtgA3e+563cqQAYHfYg5QAYdbt0gAw63ae2ADDrZeWAEUoIBfUrkpUjSPMpKKcnsj6k28Io3FKmHVvrFFLwB7RkP3qYxup1Dvtdj+HkWkIqEVFHkoiEkyPWc99Wmrp9G5lor9fyEW3CtT4dnhS2lt5/uc+pr548y3XyLnPfdvljSFcGPW7dIAMerXgMoAMesMB2wAFtT3OlV0YUgA8PVJND2wAYdXt8sAGHW7T2mAD77t8sAV9oOb5wNJqE8FLH4D8/hFFxjVYSoj8f0OrTwx67+BAtFxcvZ8y+2BeaaWtIOFQCRFJTHmsjF92jok+jZlOyNqT52nky7OzLu/cuOpceUoLB1BNOHyyjT67T1LSyxFLC6dDiqm+ddTV3EApIPxGUZZPD6FmmWsg/v2Q6o87fKtI1/XGNdotT6RUpd+/mVt1fhywtiTiN9lpHYQhid7XlHbABj1u0YiAFuF3nSbo0gBPD1eN09sAB4dXt8sALh1e3SAGph0MtqmDxGSNSeAHxiHUXRprdktkeoQc5cqK9tJ4lRqpRvKOpjF22Ssm5y3Z39FseJ5neyMy352lJ+IMfKpYnF/ejxJ9DGth0B3aezifCFFdfYgxruJTUNLNv+dTlq6zRrjz6U+EVPyjCz1kV7PUtYVt7jUlPqlp1Ljh6SuVYGmR93/cd3CeJSq1C5/Zl0/Rn2/TqdeI7o6WlTvR4fLG5KUMetxu+WADxdXt8sABSp3nQq6DlAC4dUklJ7YATA70+HSADDq15T2wBVzT31ibN0ndNmgGqs/hh8YzXFtVzz8KO0d/P9juphywy938j2gxTHpiqeSOWldY47dZGDxDqz4oNmBfRYl93bZtEysqVKy7t4ZAiiPxMa/7Q2L0Btd2v1INMv7hsrkYFFvEiu041iWJNEvbAnN8wWnFVWwBw8ycj+Ubzg2t9Io5Ze1H5din11Hhz51sy2x6ordGUXBxCfejwjKAC4p3mQbowpABhVwmqDgmADDqHweWAItoTBYYvtnndN1tOh192Mcmt1Ho9Ll32XmTUV+JPrstysQpDLYFeAGcY2c0lzSZY4cmeVTBVwBomKq/USs6Loj0qkhN5lWOPA5TnLHkNm5S2rQmLIVLG0HiTMpbfvlNTU8teWpxi51mo11umhC6LUFs8YyR1QrU24vqW7iorEjsiiM4qJYk0UeJWbVJTbcwgVuHmT5k5j95xY8P1T0tysW3fyF1KurcGds0tLzaJhpQLKhUesR+gRkpxUl3MzKLi+V7nrE7zBHlj0fAuLd5m1XBpABh1FcUHBMAGB3h8GkAc3OT6Xphcx9n4WE/2cz7z8qRkOKa1Ts+5bFzp9O4x5fxIZeU4ak19mUZ2yUrHlnVyKOw4FkRDynlo8TSVvyrzTay2txtSUuDtJFAYkpxCyMpLKTR4nHKaRlWx2xFu2ZtLKzU0yiXl5VRKnUuhQdFCKJANaH1gcI2nEuK6S3STjCWXLt7vMraNPZGxNrY1JauOcYpRLiKGFmsSKJKkRXFRIkTRRe7J2jRapF1RoKra9YzT+fx0jWcE1fNDwJbrbyKjimmw/Gj8TpseqOCM0xoCnC4XOZs3U6VgA8PU+zyTAFJtNaAlmBLtq55gHgD4UZ/HD/yKvi2r9Hpwt5Fhw/Tu2fO9l8/51ObDqlKKlGpjDzbk8sveRJYRxf0rPOIsqz904tsmaIJSojsMX32dindNNdvqVfEsqMce85GWmZ6xZ6w5mUtGZWuabbdW0XCRzKoUEVoQQMxF7OunVV2wlBerlZx7luVsXKEotPcuX5h4fS2G9+7uvryBcvm76MZRwRhH+i5x15fqTNv0rH3lEhpzaa2LR/iE0sz91apRtxwAKcChRsFXAcK8BTD1RZZhoqYeHFcvTL9yxuQ4ds5ZfXt+he2w3bUhsGli2FOpmET4DR315W7u+YHW9HBp/RbOI81GGnHr7s5OiasjpvX3yURm5q1GbBshiYevcyVqS4a3lumtfYkAx3RqhTK6+SXbt2UfqyBSlYoVp/xs1sBLTaW2xRCEhKR6hGHnJzk5PuamuHKkhtL7jDyHmVXXG1BST6xE+ntlTYpx3RJOuNkHGWzNFs6dbtCSanGuVtQ5keU4Ee4xu6LY3Vqce5j76ZU2OuXYk3VOczZup0iUiPD7qJdlyZfXdYQkqVXIDOPkpKKbZ6hFzkox3Znc7PLn512aWCneGiU+VIwH7zJjC6/UPU3Ofbsa6jTqipVrt8xErjgaJGjjPpUVWypD/Mn/AGKi/wDs8sW2eX1KbiqxCPmcmyhNiz1hT0uA4uYaQ8tLyErAUVUNKjhhwOI1i+lN6iF1cumMrp5FXy+G4S9/UtniT9K4P99R/wAYjgiv/Hx/y/mdEv8AN+I1b6bJ2hftOas2XflJuVaW/MBwJ3b4SaEgA1Cvx0rxjo0stRpowhc1JSaSa3XuyeLo1Wyk61hrqxqYtSatHYRbU46XVS0+hCFq4qKblQCc6cY+Q09dPEOatYTj9T67JT0uJdn9Crsh1Vk2vZU8rwLIcJOF0qU2r5Ax16mPj0WVrfb8skNEvCshN7b/AENgWsRg0jYxQwtce0iRIudjbV+p2j9UeV0Jk8PU5l8cPaBF/wAH1PJLwpbPYquL6Tnq8WO8d/L9jvbqnOZpQSnSNIZgr7flnZqx5tpjiVI5E1pe4g099Ke+INTW7aZQju0dGjsjVfCctkzOVKLKil5KmljFLgun4GMVZpbYvDi/wNjGcJrMXlHpMy3/ADEf6hETos/1f4HxorNobMkrfl2WZicLIaWVgtlJJNCM/bHdoL7NHKUlBvKwcWr0npKSzjBAmdlLNmBIXrSdT9SbS2ilzmookE/GOuvilkHZ/bfrPP5YOWfDObl9b2SQvZ6z17R/xz+ILD29Du6qm7UCntiFa+xaT0bw3tjJ7fD83+NzdyHaex9mTc6/My1puym/qXW0KCkmpqcxwJyNRHTRxeyFajZXnGxDbwrmk5QljI8rZeyhYgstucWlBe3y3QtJUtVKewD1eqI1xO56nxnX2xjqS/0yPg+En3zkjzWyVmTEhJyqp90CVStIWLlVhSr3HhElfFLYWTn4b9bH5LB8lwmMoRjzbF+0420w21vw5cQE31EVVQUqYqbISnNyUWsltVDkiot5weVvo86fjBUz/wBX+B0LBJseSmbQtBgSzaylDiVLdA5UAEGtfyxju0WltlbFpYSObW6mqmmXO90+hqxS4s1aVdTpGtMR1QU7lU3ZwTSAPC2W1cy0AteWkAR3LMk18y2EFry0gCM5s/ZjnOuWb3Wl0QBHXsnYyjfVJt7s5XRWAGjsXYZN8ybZbxpdEAINibCBviSb3el0QA4nZCxEm+JNvdjK6IAfRszZKDfTJt7vQpEASW7Hs9vnRKtBrS6PwgCQiTl2+ZthsNDIJgB0JA5kABodv6QAt1auLJup0wgATxfLZ8AygAHF4tnwVwgBRxe3Z8GkAIPTXOzTKAAem3fZpAC/bbvs0gBPtt32aQAp9Nc7dIAPtt32ae6AE+23fZp7oAD6fd9mkAB9MEdhyygDw+pTbl1BujQQB//Z"/>
+          <p:cNvSpPr>
+            <a:spLocks noChangeAspect="1" noChangeArrowheads="1"/>
+          </p:cNvSpPr>
+          <p:nvPr/>
+        </p:nvSpPr>
+        <p:spPr bwMode="auto">
+          <a:xfrm>
+            <a:off x="155575" y="-144463"/>
+            <a:ext cx="304800" cy="304801"/>
+          </a:xfrm>
+          <a:prstGeom prst="rect">
+            <a:avLst/>
+          </a:prstGeom>
+          <a:noFill/>
+          <a:extLst>
+            <a:ext uri="{909E8E84-426E-40DD-AFC4-6F175D3DCCD1}">
+              <a14:hiddenFill xmlns:a14="http://schemas.microsoft.com/office/drawing/2010/main">
+                <a:solidFill>
+                  <a:srgbClr val="FFFFFF"/>
+                </a:solidFill>
+              </a14:hiddenFill>
+            </a:ext>
+          </a:extLst>
+        </p:spPr>
+        <p:txBody>
+          <a:bodyPr vert="horz" wrap="square" lIns="91440" tIns="45720" rIns="91440" bIns="45720" numCol="1" anchor="t" anchorCtr="0" compatLnSpc="1">
+            <a:prstTxWarp prst="textNoShape">
+              <a:avLst/>
+            </a:prstTxWarp>
+          </a:bodyPr>
+          <a:lstStyle/>
+          <a:p>
+            <a:endParaRPr lang="en-US"/>
+          </a:p>
+        </p:txBody>
+      </p:sp>
+      <p:sp>
+        <p:nvSpPr>
+          <p:cNvPr id="6" name="AutoShape 2" descr="Home - MEMA"/>
+          <p:cNvSpPr>
+            <a:spLocks noChangeAspect="1" noChangeArrowheads="1"/>
+          </p:cNvSpPr>
+          <p:nvPr/>
+        </p:nvSpPr>
+        <p:spPr bwMode="auto">
+          <a:xfrm>
+            <a:off x="307975" y="7937"/>
+            <a:ext cx="304800" cy="304801"/>
+          </a:xfrm>
+          <a:prstGeom prst="rect">
+            <a:avLst/>
+          </a:prstGeom>
+          <a:noFill/>
+          <a:extLst>
+            <a:ext uri="{909E8E84-426E-40DD-AFC4-6F175D3DCCD1}">
+              <a14:hiddenFill xmlns:a14="http://schemas.microsoft.com/office/drawing/2010/main">
+                <a:solidFill>
+                  <a:srgbClr val="FFFFFF"/>
+                </a:solidFill>
+              </a14:hiddenFill>
+            </a:ext>
+          </a:extLst>
+        </p:spPr>
+        <p:txBody>
+          <a:bodyPr vert="horz" wrap="square" lIns="91440" tIns="45720" rIns="91440" bIns="45720" numCol="1" anchor="t" anchorCtr="0" compatLnSpc="1">
+            <a:prstTxWarp prst="textNoShape">
+              <a:avLst/>
+            </a:prstTxWarp>
+          </a:bodyPr>
+          <a:lstStyle/>
+          <a:p>
+            <a:endParaRPr lang="en-US"/>
+          </a:p>
+        </p:txBody>
+      </p:sp>
+      <p:grpSp>
+        <p:nvGrpSpPr>
+          <p:cNvPr id="5" name="Group 4">
+            <a:extLst>
+              <a:ext uri="{FF2B5EF4-FFF2-40B4-BE49-F238E27FC236}">
+                <a16:creationId xmlns:a16="http://schemas.microsoft.com/office/drawing/2014/main" id="{07F2EA62-2704-EFB4-53A6-8DC7FDA99CB3}"/>
+              </a:ext>
+            </a:extLst>
+          </p:cNvPr>
+          <p:cNvGrpSpPr/>
+          <p:nvPr/>
+        </p:nvGrpSpPr>
+        <p:grpSpPr>
+          <a:xfrm>
+            <a:off x="512843" y="2374900"/>
+            <a:ext cx="7676395" cy="3006935"/>
+            <a:chOff x="512843" y="2374900"/>
+            <a:chExt cx="7676395" cy="3006935"/>
+          </a:xfrm>
+        </p:grpSpPr>
+        <p:pic>
+          <p:nvPicPr>
+            <p:cNvPr id="15" name="Picture 14"/>
+            <p:cNvPicPr>
+              <a:picLocks noChangeAspect="1"/>
+            </p:cNvPicPr>
+            <p:nvPr/>
+          </p:nvPicPr>
+          <p:blipFill>
+            <a:blip r:embed="rId3"/>
+            <a:stretch>
+              <a:fillRect/>
+            </a:stretch>
+          </p:blipFill>
+          <p:spPr>
+            <a:xfrm>
+              <a:off x="512843" y="2374900"/>
+              <a:ext cx="3295140" cy="3006935"/>
+            </a:xfrm>
+            <a:prstGeom prst="rect">
+              <a:avLst/>
+            </a:prstGeom>
+          </p:spPr>
+        </p:pic>
+        <p:sp>
+          <p:nvSpPr>
+            <p:cNvPr id="33" name="Right Arrow 32"/>
+            <p:cNvSpPr/>
+            <p:nvPr/>
+          </p:nvSpPr>
+          <p:spPr>
+            <a:xfrm>
+              <a:off x="3922423" y="3664122"/>
+              <a:ext cx="468769" cy="564978"/>
+            </a:xfrm>
+            <a:prstGeom prst="rightArrow">
+              <a:avLst/>
+            </a:prstGeom>
+            <a:solidFill>
+              <a:schemeClr val="bg1">
+                <a:lumMod val="65000"/>
+              </a:schemeClr>
+            </a:solidFill>
+            <a:ln>
+              <a:solidFill>
+                <a:schemeClr val="bg1">
+                  <a:lumMod val="65000"/>
+                </a:schemeClr>
+              </a:solidFill>
+            </a:ln>
+          </p:spPr>
+          <p:style>
+            <a:lnRef idx="2">
+              <a:schemeClr val="accent1">
+                <a:shade val="50000"/>
+              </a:schemeClr>
+            </a:lnRef>
+            <a:fillRef idx="1">
+              <a:schemeClr val="accent1"/>
+            </a:fillRef>
+            <a:effectRef idx="0">
+              <a:schemeClr val="accent1"/>
+            </a:effectRef>
+            <a:fontRef idx="minor">
+              <a:schemeClr val="lt1"/>
+            </a:fontRef>
+          </p:style>
+          <p:txBody>
+            <a:bodyPr rtlCol="0" anchor="ctr"/>
+            <a:lstStyle/>
+            <a:p>
+              <a:pPr algn="ctr"/>
+              <a:endParaRPr lang="en-US"/>
+            </a:p>
+          </p:txBody>
+        </p:sp>
+        <p:pic>
+          <p:nvPicPr>
+            <p:cNvPr id="14" name="Picture 13">
+              <a:extLst>
+                <a:ext uri="{FF2B5EF4-FFF2-40B4-BE49-F238E27FC236}">
+                  <a16:creationId xmlns:a16="http://schemas.microsoft.com/office/drawing/2014/main" id="{721516CA-2B08-B348-B6B9-0B4CEEE16442}"/>
+                </a:ext>
+              </a:extLst>
+            </p:cNvPr>
+            <p:cNvPicPr>
+              <a:picLocks noChangeAspect="1"/>
+            </p:cNvPicPr>
+            <p:nvPr/>
+          </p:nvPicPr>
+          <p:blipFill>
+            <a:blip r:embed="rId4"/>
+            <a:stretch>
+              <a:fillRect/>
+            </a:stretch>
+          </p:blipFill>
+          <p:spPr>
+            <a:xfrm>
+              <a:off x="4505632" y="2495550"/>
+              <a:ext cx="3683606" cy="2865027"/>
+            </a:xfrm>
+            <a:prstGeom prst="rect">
+              <a:avLst/>
+            </a:prstGeom>
+          </p:spPr>
+        </p:pic>
+      </p:grpSp>
+    </p:spTree>
+    <p:extLst>
+      <p:ext uri="{BB962C8B-B14F-4D97-AF65-F5344CB8AC3E}">
+        <p14:creationId xmlns:p14="http://schemas.microsoft.com/office/powerpoint/2010/main" val="689563719"/>
+      </p:ext>
+    </p:extLst>
+  </p:cSld>
+  <p:clrMapOvr>
+    <a:masterClrMapping/>
+  </p:clrMapOvr>
+</p:sld>
+</file>
+
+<file path=ppt/slides/slide2.xml><?xml version="1.0" encoding="utf-8"?>
+<p:sld xmlns:a="http://schemas.openxmlformats.org/drawingml/2006/main" xmlns:r="http://schemas.openxmlformats.org/officeDocument/2006/relationships" xmlns:p="http://schemas.openxmlformats.org/presentationml/2006/main">
+  <p:cSld>
+    <p:spTree>
+      <p:nvGrpSpPr>
+        <p:cNvPr id="1" name=""/>
+        <p:cNvGrpSpPr/>
+        <p:nvPr/>
+      </p:nvGrpSpPr>
+      <p:grpSpPr>
+        <a:xfrm>
+          <a:off x="0" y="0"/>
+          <a:ext cx="0" cy="0"/>
+          <a:chOff x="0" y="0"/>
+          <a:chExt cx="0" cy="0"/>
+        </a:xfrm>
+      </p:grpSpPr>
+      <p:sp>
+        <p:nvSpPr>
+          <p:cNvPr id="40" name="AutoShape 2" descr="data:image/jpeg;base64,/9j/4AAQSkZJRgABAQAAAQABAAD/2wCEAAkGBwgHBgkIBwgKCgkLDRYPDQwMDRsUFRAWIB0iIiAdHx8kKDQsJCYxJx8fLT0tMTU3Ojo6Iys/RD84QzQ5OjcBCgoKDQwNGg8PGjclHyU3Nzc3Nzc3Nzc3Nzc3Nzc3Nzc3Nzc3Nzc3Nzc3Nzc3Nzc3Nzc3Nzc3Nzc3Nzc3Nzc3N//AABEIAGQAZAMBEQACEQEDEQH/xAAbAAABBQEBAAAAAAAAAAAAAAAAAQMEBQcGAv/EAEAQAAECAwUGAgYIAwkAAAAAAAECAwAEEQUSMUFRBhMhIiNCMlIzYXGBkaEHFENjscHh8BVTomJkcnSSsrPR8f/EABsBAQADAQEBAQAAAAAAAAAAAAADBQYEAgEH/8QANBEAAgIBAgQCBwcFAQAAAAAAAAECAxEEMQUSIUETcRQiMlGBscEGYZGh0eHwFSM0UmIl/9oADAMBAAIRAxEAPwDaPD1tcq4QAp5escNIATDra5QAYdb+mAD76mOVYAD/ADstIAPviPcIAM99/TABj1qe4wADid9lpABj19O2uMAHiO+07YAQt7/nrSuVIAXgOrrlABh1vlAAOHWyPbABh1sj2/KADgOscDlAEG1JlTSUBlV112uHYnMxXcR1jor5Y+0/y+86dNUpyzLZFQgusOb1lZDgNalRN7/FqIz9eqtrnzqXUsZQjKPK10OglnkzDKZpOB4FGYOBEaym6N1anHuVFkHXJxY799l5YlPAY9bLSADHrDLKADHrZDtgA3e+563cqQAYHfYg5QAYdbt0gAw63ae2ADDrZeWAEUoIBfUrkpUjSPMpKKcnsj6k28Io3FKmHVvrFFLwB7RkP3qYxup1Dvtdj+HkWkIqEVFHkoiEkyPWc99Wmrp9G5lor9fyEW3CtT4dnhS2lt5/uc+pr548y3XyLnPfdvljSFcGPW7dIAMerXgMoAMesMB2wAFtT3OlV0YUgA8PVJND2wAYdXt8sAGHW7T2mAD77t8sAV9oOb5wNJqE8FLH4D8/hFFxjVYSoj8f0OrTwx67+BAtFxcvZ8y+2BeaaWtIOFQCRFJTHmsjF92jok+jZlOyNqT52nky7OzLu/cuOpceUoLB1BNOHyyjT67T1LSyxFLC6dDiqm+ddTV3EApIPxGUZZPD6FmmWsg/v2Q6o87fKtI1/XGNdotT6RUpd+/mVt1fhywtiTiN9lpHYQhid7XlHbABj1u0YiAFuF3nSbo0gBPD1eN09sAB4dXt8sALh1e3SAGph0MtqmDxGSNSeAHxiHUXRprdktkeoQc5cqK9tJ4lRqpRvKOpjF22Ssm5y3Z39FseJ5neyMy352lJ+IMfKpYnF/ejxJ9DGth0B3aezifCFFdfYgxruJTUNLNv+dTlq6zRrjz6U+EVPyjCz1kV7PUtYVt7jUlPqlp1Ljh6SuVYGmR93/cd3CeJSq1C5/Zl0/Rn2/TqdeI7o6WlTvR4fLG5KUMetxu+WADxdXt8sABSp3nQq6DlAC4dUklJ7YATA70+HSADDq15T2wBVzT31ibN0ndNmgGqs/hh8YzXFtVzz8KO0d/P9juphywy938j2gxTHpiqeSOWldY47dZGDxDqz4oNmBfRYl93bZtEysqVKy7t4ZAiiPxMa/7Q2L0Btd2v1INMv7hsrkYFFvEiu041iWJNEvbAnN8wWnFVWwBw8ycj+Ubzg2t9Io5Ze1H5din11Hhz51sy2x6ordGUXBxCfejwjKAC4p3mQbowpABhVwmqDgmADDqHweWAItoTBYYvtnndN1tOh192Mcmt1Ho9Ll32XmTUV+JPrstysQpDLYFeAGcY2c0lzSZY4cmeVTBVwBomKq/USs6Loj0qkhN5lWOPA5TnLHkNm5S2rQmLIVLG0HiTMpbfvlNTU8teWpxi51mo11umhC6LUFs8YyR1QrU24vqW7iorEjsiiM4qJYk0UeJWbVJTbcwgVuHmT5k5j95xY8P1T0tysW3fyF1KurcGds0tLzaJhpQLKhUesR+gRkpxUl3MzKLi+V7nrE7zBHlj0fAuLd5m1XBpABh1FcUHBMAGB3h8GkAc3OT6Xphcx9n4WE/2cz7z8qRkOKa1Ts+5bFzp9O4x5fxIZeU4ak19mUZ2yUrHlnVyKOw4FkRDynlo8TSVvyrzTay2txtSUuDtJFAYkpxCyMpLKTR4nHKaRlWx2xFu2ZtLKzU0yiXl5VRKnUuhQdFCKJANaH1gcI2nEuK6S3STjCWXLt7vMraNPZGxNrY1JauOcYpRLiKGFmsSKJKkRXFRIkTRRe7J2jRapF1RoKra9YzT+fx0jWcE1fNDwJbrbyKjimmw/Gj8TpseqOCM0xoCnC4XOZs3U6VgA8PU+zyTAFJtNaAlmBLtq55gHgD4UZ/HD/yKvi2r9Hpwt5Fhw/Tu2fO9l8/51ObDqlKKlGpjDzbk8sveRJYRxf0rPOIsqz904tsmaIJSojsMX32dindNNdvqVfEsqMce85GWmZ6xZ6w5mUtGZWuabbdW0XCRzKoUEVoQQMxF7OunVV2wlBerlZx7luVsXKEotPcuX5h4fS2G9+7uvryBcvm76MZRwRhH+i5x15fqTNv0rH3lEhpzaa2LR/iE0sz91apRtxwAKcChRsFXAcK8BTD1RZZhoqYeHFcvTL9yxuQ4ds5ZfXt+he2w3bUhsGli2FOpmET4DR315W7u+YHW9HBp/RbOI81GGnHr7s5OiasjpvX3yURm5q1GbBshiYevcyVqS4a3lumtfYkAx3RqhTK6+SXbt2UfqyBSlYoVp/xs1sBLTaW2xRCEhKR6hGHnJzk5PuamuHKkhtL7jDyHmVXXG1BST6xE+ntlTYpx3RJOuNkHGWzNFs6dbtCSanGuVtQ5keU4Ee4xu6LY3Vqce5j76ZU2OuXYk3VOczZup0iUiPD7qJdlyZfXdYQkqVXIDOPkpKKbZ6hFzkox3Znc7PLn512aWCneGiU+VIwH7zJjC6/UPU3Ofbsa6jTqipVrt8xErjgaJGjjPpUVWypD/Mn/AGKi/wDs8sW2eX1KbiqxCPmcmyhNiz1hT0uA4uYaQ8tLyErAUVUNKjhhwOI1i+lN6iF1cumMrp5FXy+G4S9/UtniT9K4P99R/wAYjgiv/Hx/y/mdEv8AN+I1b6bJ2hftOas2XflJuVaW/MBwJ3b4SaEgA1Cvx0rxjo0stRpowhc1JSaSa3XuyeLo1Wyk61hrqxqYtSatHYRbU46XVS0+hCFq4qKblQCc6cY+Q09dPEOatYTj9T67JT0uJdn9Crsh1Vk2vZU8rwLIcJOF0qU2r5Ax16mPj0WVrfb8skNEvCshN7b/AENgWsRg0jYxQwtce0iRIudjbV+p2j9UeV0Jk8PU5l8cPaBF/wAH1PJLwpbPYquL6Tnq8WO8d/L9jvbqnOZpQSnSNIZgr7flnZqx5tpjiVI5E1pe4g099Ke+INTW7aZQju0dGjsjVfCctkzOVKLKil5KmljFLgun4GMVZpbYvDi/wNjGcJrMXlHpMy3/ADEf6hETos/1f4HxorNobMkrfl2WZicLIaWVgtlJJNCM/bHdoL7NHKUlBvKwcWr0npKSzjBAmdlLNmBIXrSdT9SbS2ilzmookE/GOuvilkHZ/bfrPP5YOWfDObl9b2SQvZ6z17R/xz+ILD29Du6qm7UCntiFa+xaT0bw3tjJ7fD83+NzdyHaex9mTc6/My1puym/qXW0KCkmpqcxwJyNRHTRxeyFajZXnGxDbwrmk5QljI8rZeyhYgstucWlBe3y3QtJUtVKewD1eqI1xO56nxnX2xjqS/0yPg+En3zkjzWyVmTEhJyqp90CVStIWLlVhSr3HhElfFLYWTn4b9bH5LB8lwmMoRjzbF+0420w21vw5cQE31EVVQUqYqbISnNyUWsltVDkiot5weVvo86fjBUz/wBX+B0LBJseSmbQtBgSzaylDiVLdA5UAEGtfyxju0WltlbFpYSObW6mqmmXO90+hqxS4s1aVdTpGtMR1QU7lU3ZwTSAPC2W1cy0AteWkAR3LMk18y2EFry0gCM5s/ZjnOuWb3Wl0QBHXsnYyjfVJt7s5XRWAGjsXYZN8ybZbxpdEAINibCBviSb3el0QA4nZCxEm+JNvdjK6IAfRszZKDfTJt7vQpEASW7Hs9vnRKtBrS6PwgCQiTl2+ZthsNDIJgB0JA5kABodv6QAt1auLJup0wgATxfLZ8AygAHF4tnwVwgBRxe3Z8GkAIPTXOzTKAAem3fZpAC/bbvs0gBPtt32aQAp9Nc7dIAPtt32ae6AE+23fZp7oAD6fd9mkAB9MEdhyygDw+pTbl1BujQQB//Z"/>
+          <p:cNvSpPr>
+            <a:spLocks noChangeAspect="1" noChangeArrowheads="1"/>
+          </p:cNvSpPr>
+          <p:nvPr/>
+        </p:nvSpPr>
+        <p:spPr bwMode="auto">
+          <a:xfrm>
+            <a:off x="155575" y="-144463"/>
+            <a:ext cx="304800" cy="304801"/>
+          </a:xfrm>
+          <a:prstGeom prst="rect">
+            <a:avLst/>
+          </a:prstGeom>
+          <a:noFill/>
+          <a:extLst>
+            <a:ext uri="{909E8E84-426E-40DD-AFC4-6F175D3DCCD1}">
+              <a14:hiddenFill xmlns:a14="http://schemas.microsoft.com/office/drawing/2010/main">
+                <a:solidFill>
+                  <a:srgbClr val="FFFFFF"/>
+                </a:solidFill>
+              </a14:hiddenFill>
+            </a:ext>
+          </a:extLst>
+        </p:spPr>
+        <p:txBody>
+          <a:bodyPr vert="horz" wrap="square" lIns="91440" tIns="45720" rIns="91440" bIns="45720" numCol="1" anchor="t" anchorCtr="0" compatLnSpc="1">
+            <a:prstTxWarp prst="textNoShape">
+              <a:avLst/>
+            </a:prstTxWarp>
+          </a:bodyPr>
+          <a:lstStyle/>
+          <a:p>
+            <a:endParaRPr lang="en-US"/>
+          </a:p>
+        </p:txBody>
+      </p:sp>
+      <p:sp>
+        <p:nvSpPr>
+          <p:cNvPr id="6" name="AutoShape 2" descr="Home - MEMA"/>
+          <p:cNvSpPr>
+            <a:spLocks noChangeAspect="1" noChangeArrowheads="1"/>
+          </p:cNvSpPr>
+          <p:nvPr/>
+        </p:nvSpPr>
+        <p:spPr bwMode="auto">
+          <a:xfrm>
+            <a:off x="307975" y="7937"/>
+            <a:ext cx="304800" cy="304801"/>
+          </a:xfrm>
+          <a:prstGeom prst="rect">
+            <a:avLst/>
+          </a:prstGeom>
+          <a:noFill/>
+          <a:extLst>
+            <a:ext uri="{909E8E84-426E-40DD-AFC4-6F175D3DCCD1}">
+              <a14:hiddenFill xmlns:a14="http://schemas.microsoft.com/office/drawing/2010/main">
+                <a:solidFill>
+                  <a:srgbClr val="FFFFFF"/>
+                </a:solidFill>
+              </a14:hiddenFill>
+            </a:ext>
+          </a:extLst>
+        </p:spPr>
+        <p:txBody>
+          <a:bodyPr vert="horz" wrap="square" lIns="91440" tIns="45720" rIns="91440" bIns="45720" numCol="1" anchor="t" anchorCtr="0" compatLnSpc="1">
+            <a:prstTxWarp prst="textNoShape">
+              <a:avLst/>
+            </a:prstTxWarp>
+          </a:bodyPr>
+          <a:lstStyle/>
+          <a:p>
+            <a:endParaRPr lang="en-US"/>
+          </a:p>
+        </p:txBody>
+      </p:sp>
+      <p:grpSp>
+        <p:nvGrpSpPr>
+          <p:cNvPr id="5" name="Group 4">
+            <a:extLst>
+              <a:ext uri="{FF2B5EF4-FFF2-40B4-BE49-F238E27FC236}">
+                <a16:creationId xmlns:a16="http://schemas.microsoft.com/office/drawing/2014/main" id="{25C783C2-CE38-D965-43D8-5F1B1D099591}"/>
+              </a:ext>
+            </a:extLst>
+          </p:cNvPr>
+          <p:cNvGrpSpPr/>
+          <p:nvPr/>
+        </p:nvGrpSpPr>
+        <p:grpSpPr>
+          <a:xfrm>
+            <a:off x="872457" y="2602349"/>
+            <a:ext cx="6766591" cy="2863810"/>
+            <a:chOff x="4123182" y="2227699"/>
+            <a:chExt cx="3769872" cy="1020284"/>
+          </a:xfrm>
+        </p:grpSpPr>
+        <p:cxnSp>
+          <p:nvCxnSpPr>
+            <p:cNvPr id="8" name="Straight Arrow Connector 7"/>
+            <p:cNvCxnSpPr/>
+            <p:nvPr/>
+          </p:nvCxnSpPr>
+          <p:spPr>
+            <a:xfrm>
+              <a:off x="4928205" y="2728979"/>
+              <a:ext cx="253314" cy="0"/>
+            </a:xfrm>
+            <a:prstGeom prst="straightConnector1">
+              <a:avLst/>
+            </a:prstGeom>
+            <a:ln>
+              <a:tailEnd type="triangle"/>
+            </a:ln>
+          </p:spPr>
+          <p:style>
+            <a:lnRef idx="1">
+              <a:schemeClr val="accent1"/>
+            </a:lnRef>
+            <a:fillRef idx="0">
+              <a:schemeClr val="accent1"/>
+            </a:fillRef>
+            <a:effectRef idx="0">
+              <a:schemeClr val="accent1"/>
+            </a:effectRef>
+            <a:fontRef idx="minor">
+              <a:schemeClr val="tx1"/>
+            </a:fontRef>
+          </p:style>
+        </p:cxnSp>
+        <p:pic>
+          <p:nvPicPr>
+            <p:cNvPr id="3" name="Picture 2"/>
+            <p:cNvPicPr>
+              <a:picLocks noChangeAspect="1"/>
+            </p:cNvPicPr>
+            <p:nvPr/>
+          </p:nvPicPr>
+          <p:blipFill rotWithShape="1">
+            <a:blip r:embed="rId3"/>
+            <a:srcRect l="42621" t="14677" r="24839" b="27903"/>
+            <a:stretch/>
+          </p:blipFill>
+          <p:spPr>
+            <a:xfrm>
+              <a:off x="4123182" y="2386638"/>
+              <a:ext cx="902987" cy="700154"/>
+            </a:xfrm>
+            <a:prstGeom prst="rect">
+              <a:avLst/>
+            </a:prstGeom>
+          </p:spPr>
+        </p:pic>
+        <p:sp>
+          <p:nvSpPr>
+            <p:cNvPr id="36" name="Right Arrow 35"/>
+            <p:cNvSpPr/>
+            <p:nvPr/>
+          </p:nvSpPr>
+          <p:spPr>
+            <a:xfrm>
+              <a:off x="5040190" y="2599945"/>
+              <a:ext cx="195814" cy="234778"/>
+            </a:xfrm>
+            <a:prstGeom prst="rightArrow">
+              <a:avLst/>
+            </a:prstGeom>
+            <a:solidFill>
+              <a:schemeClr val="bg1">
+                <a:lumMod val="65000"/>
+              </a:schemeClr>
+            </a:solidFill>
+            <a:ln>
+              <a:solidFill>
+                <a:schemeClr val="bg1">
+                  <a:lumMod val="65000"/>
+                </a:schemeClr>
+              </a:solidFill>
+            </a:ln>
+          </p:spPr>
+          <p:style>
+            <a:lnRef idx="2">
+              <a:schemeClr val="accent1">
+                <a:shade val="50000"/>
+              </a:schemeClr>
+            </a:lnRef>
+            <a:fillRef idx="1">
+              <a:schemeClr val="accent1"/>
+            </a:fillRef>
+            <a:effectRef idx="0">
+              <a:schemeClr val="accent1"/>
+            </a:effectRef>
+            <a:fontRef idx="minor">
+              <a:schemeClr val="lt1"/>
+            </a:fontRef>
+          </p:style>
+          <p:txBody>
+            <a:bodyPr rtlCol="0" anchor="ctr"/>
+            <a:lstStyle/>
+            <a:p>
+              <a:pPr algn="ctr"/>
+              <a:endParaRPr lang="en-US"/>
+            </a:p>
+          </p:txBody>
+        </p:sp>
+        <p:sp>
+          <p:nvSpPr>
+            <p:cNvPr id="37" name="Rounded Rectangle 36"/>
+            <p:cNvSpPr/>
+            <p:nvPr/>
+          </p:nvSpPr>
+          <p:spPr>
+            <a:xfrm>
+              <a:off x="5264045" y="2227699"/>
+              <a:ext cx="2629009" cy="1020284"/>
+            </a:xfrm>
+            <a:prstGeom prst="roundRect">
+              <a:avLst/>
+            </a:prstGeom>
+            <a:noFill/>
+            <a:ln>
+              <a:prstDash val="dash"/>
+            </a:ln>
+          </p:spPr>
+          <p:style>
+            <a:lnRef idx="2">
+              <a:schemeClr val="accent1">
+                <a:shade val="50000"/>
+              </a:schemeClr>
+            </a:lnRef>
+            <a:fillRef idx="1">
+              <a:schemeClr val="accent1"/>
+            </a:fillRef>
+            <a:effectRef idx="0">
+              <a:schemeClr val="accent1"/>
+            </a:effectRef>
+            <a:fontRef idx="minor">
+              <a:schemeClr val="lt1"/>
+            </a:fontRef>
+          </p:style>
+          <p:txBody>
+            <a:bodyPr rtlCol="0" anchor="ctr"/>
+            <a:lstStyle/>
+            <a:p>
+              <a:pPr algn="ctr"/>
+              <a:endParaRPr lang="en-US"/>
+            </a:p>
+          </p:txBody>
+        </p:sp>
+        <p:pic>
+          <p:nvPicPr>
+            <p:cNvPr id="7" name="Picture 6"/>
+            <p:cNvPicPr>
+              <a:picLocks noChangeAspect="1"/>
+            </p:cNvPicPr>
+            <p:nvPr/>
+          </p:nvPicPr>
+          <p:blipFill rotWithShape="1">
+            <a:blip r:embed="rId4" cstate="print">
+              <a:extLst>
+                <a:ext uri="{28A0092B-C50C-407E-A947-70E740481C1C}">
+                  <a14:useLocalDpi xmlns:a14="http://schemas.microsoft.com/office/drawing/2010/main" val="0"/>
+                </a:ext>
+              </a:extLst>
+            </a:blip>
+            <a:srcRect l="32083" t="9119" r="1033" b="7156"/>
+            <a:stretch/>
+          </p:blipFill>
+          <p:spPr>
+            <a:xfrm>
+              <a:off x="5331703" y="2386638"/>
+              <a:ext cx="2522436" cy="740601"/>
+            </a:xfrm>
+            <a:prstGeom prst="rect">
+              <a:avLst/>
+            </a:prstGeom>
+          </p:spPr>
+        </p:pic>
+      </p:grpSp>
+    </p:spTree>
+    <p:extLst>
+      <p:ext uri="{BB962C8B-B14F-4D97-AF65-F5344CB8AC3E}">
+        <p14:creationId xmlns:p14="http://schemas.microsoft.com/office/powerpoint/2010/main" val="2202063844"/>
+      </p:ext>
+    </p:extLst>
+  </p:cSld>
+  <p:clrMapOvr>
+    <a:masterClrMapping/>
+  </p:clrMapOvr>
+</p:sld>
+</file>
+
+<file path=ppt/slides/slide3.xml><?xml version="1.0" encoding="utf-8"?>
+<p:sld xmlns:a="http://schemas.openxmlformats.org/drawingml/2006/main" xmlns:r="http://schemas.openxmlformats.org/officeDocument/2006/relationships" xmlns:p="http://schemas.openxmlformats.org/presentationml/2006/main">
+  <p:cSld>
+    <p:spTree>
+      <p:nvGrpSpPr>
+        <p:cNvPr id="1" name=""/>
+        <p:cNvGrpSpPr/>
+        <p:nvPr/>
+      </p:nvGrpSpPr>
+      <p:grpSpPr>
+        <a:xfrm>
+          <a:off x="0" y="0"/>
+          <a:ext cx="0" cy="0"/>
+          <a:chOff x="0" y="0"/>
+          <a:chExt cx="0" cy="0"/>
+        </a:xfrm>
+      </p:grpSpPr>
+      <p:sp>
+        <p:nvSpPr>
+          <p:cNvPr id="40" name="AutoShape 2" descr="data:image/jpeg;base64,/9j/4AAQSkZJRgABAQAAAQABAAD/2wCEAAkGBwgHBgkIBwgKCgkLDRYPDQwMDRsUFRAWIB0iIiAdHx8kKDQsJCYxJx8fLT0tMTU3Ojo6Iys/RD84QzQ5OjcBCgoKDQwNGg8PGjclHyU3Nzc3Nzc3Nzc3Nzc3Nzc3Nzc3Nzc3Nzc3Nzc3Nzc3Nzc3Nzc3Nzc3Nzc3Nzc3Nzc3N//AABEIAGQAZAMBEQACEQEDEQH/xAAbAAABBQEBAAAAAAAAAAAAAAAAAQMEBQcGAv/EAEAQAAECAwUGAgYIAwkAAAAAAAECAwAEEQUSMUFRBhMhIiNCMlIzYXGBkaEHFENjscHh8BVTomJkcnSSsrPR8f/EABsBAQADAQEBAQAAAAAAAAAAAAADBQYEAgEH/8QANBEAAgIBAgQCBwcFAQAAAAAAAAECAxEEMQUSIUETcRQiMlGBscEGYZGh0eHwFSM0UmIl/9oADAMBAAIRAxEAPwDaPD1tcq4QAp5escNIATDra5QAYdb+mAD76mOVYAD/ADstIAPviPcIAM99/TABj1qe4wADid9lpABj19O2uMAHiO+07YAQt7/nrSuVIAXgOrrlABh1vlAAOHWyPbABh1sj2/KADgOscDlAEG1JlTSUBlV112uHYnMxXcR1jor5Y+0/y+86dNUpyzLZFQgusOb1lZDgNalRN7/FqIz9eqtrnzqXUsZQjKPK10OglnkzDKZpOB4FGYOBEaym6N1anHuVFkHXJxY799l5YlPAY9bLSADHrDLKADHrZDtgA3e+563cqQAYHfYg5QAYdbt0gAw63ae2ADDrZeWAEUoIBfUrkpUjSPMpKKcnsj6k28Io3FKmHVvrFFLwB7RkP3qYxup1Dvtdj+HkWkIqEVFHkoiEkyPWc99Wmrp9G5lor9fyEW3CtT4dnhS2lt5/uc+pr548y3XyLnPfdvljSFcGPW7dIAMerXgMoAMesMB2wAFtT3OlV0YUgA8PVJND2wAYdXt8sAGHW7T2mAD77t8sAV9oOb5wNJqE8FLH4D8/hFFxjVYSoj8f0OrTwx67+BAtFxcvZ8y+2BeaaWtIOFQCRFJTHmsjF92jok+jZlOyNqT52nky7OzLu/cuOpceUoLB1BNOHyyjT67T1LSyxFLC6dDiqm+ddTV3EApIPxGUZZPD6FmmWsg/v2Q6o87fKtI1/XGNdotT6RUpd+/mVt1fhywtiTiN9lpHYQhid7XlHbABj1u0YiAFuF3nSbo0gBPD1eN09sAB4dXt8sALh1e3SAGph0MtqmDxGSNSeAHxiHUXRprdktkeoQc5cqK9tJ4lRqpRvKOpjF22Ssm5y3Z39FseJ5neyMy352lJ+IMfKpYnF/ejxJ9DGth0B3aezifCFFdfYgxruJTUNLNv+dTlq6zRrjz6U+EVPyjCz1kV7PUtYVt7jUlPqlp1Ljh6SuVYGmR93/cd3CeJSq1C5/Zl0/Rn2/TqdeI7o6WlTvR4fLG5KUMetxu+WADxdXt8sABSp3nQq6DlAC4dUklJ7YATA70+HSADDq15T2wBVzT31ibN0ndNmgGqs/hh8YzXFtVzz8KO0d/P9juphywy938j2gxTHpiqeSOWldY47dZGDxDqz4oNmBfRYl93bZtEysqVKy7t4ZAiiPxMa/7Q2L0Btd2v1INMv7hsrkYFFvEiu041iWJNEvbAnN8wWnFVWwBw8ycj+Ubzg2t9Io5Ze1H5din11Hhz51sy2x6ordGUXBxCfejwjKAC4p3mQbowpABhVwmqDgmADDqHweWAItoTBYYvtnndN1tOh192Mcmt1Ho9Ll32XmTUV+JPrstysQpDLYFeAGcY2c0lzSZY4cmeVTBVwBomKq/USs6Loj0qkhN5lWOPA5TnLHkNm5S2rQmLIVLG0HiTMpbfvlNTU8teWpxi51mo11umhC6LUFs8YyR1QrU24vqW7iorEjsiiM4qJYk0UeJWbVJTbcwgVuHmT5k5j95xY8P1T0tysW3fyF1KurcGds0tLzaJhpQLKhUesR+gRkpxUl3MzKLi+V7nrE7zBHlj0fAuLd5m1XBpABh1FcUHBMAGB3h8GkAc3OT6Xphcx9n4WE/2cz7z8qRkOKa1Ts+5bFzp9O4x5fxIZeU4ak19mUZ2yUrHlnVyKOw4FkRDynlo8TSVvyrzTay2txtSUuDtJFAYkpxCyMpLKTR4nHKaRlWx2xFu2ZtLKzU0yiXl5VRKnUuhQdFCKJANaH1gcI2nEuK6S3STjCWXLt7vMraNPZGxNrY1JauOcYpRLiKGFmsSKJKkRXFRIkTRRe7J2jRapF1RoKra9YzT+fx0jWcE1fNDwJbrbyKjimmw/Gj8TpseqOCM0xoCnC4XOZs3U6VgA8PU+zyTAFJtNaAlmBLtq55gHgD4UZ/HD/yKvi2r9Hpwt5Fhw/Tu2fO9l8/51ObDqlKKlGpjDzbk8sveRJYRxf0rPOIsqz904tsmaIJSojsMX32dindNNdvqVfEsqMce85GWmZ6xZ6w5mUtGZWuabbdW0XCRzKoUEVoQQMxF7OunVV2wlBerlZx7luVsXKEotPcuX5h4fS2G9+7uvryBcvm76MZRwRhH+i5x15fqTNv0rH3lEhpzaa2LR/iE0sz91apRtxwAKcChRsFXAcK8BTD1RZZhoqYeHFcvTL9yxuQ4ds5ZfXt+he2w3bUhsGli2FOpmET4DR315W7u+YHW9HBp/RbOI81GGnHr7s5OiasjpvX3yURm5q1GbBshiYevcyVqS4a3lumtfYkAx3RqhTK6+SXbt2UfqyBSlYoVp/xs1sBLTaW2xRCEhKR6hGHnJzk5PuamuHKkhtL7jDyHmVXXG1BST6xE+ntlTYpx3RJOuNkHGWzNFs6dbtCSanGuVtQ5keU4Ee4xu6LY3Vqce5j76ZU2OuXYk3VOczZup0iUiPD7qJdlyZfXdYQkqVXIDOPkpKKbZ6hFzkox3Znc7PLn512aWCneGiU+VIwH7zJjC6/UPU3Ofbsa6jTqipVrt8xErjgaJGjjPpUVWypD/Mn/AGKi/wDs8sW2eX1KbiqxCPmcmyhNiz1hT0uA4uYaQ8tLyErAUVUNKjhhwOI1i+lN6iF1cumMrp5FXy+G4S9/UtniT9K4P99R/wAYjgiv/Hx/y/mdEv8AN+I1b6bJ2hftOas2XflJuVaW/MBwJ3b4SaEgA1Cvx0rxjo0stRpowhc1JSaSa3XuyeLo1Wyk61hrqxqYtSatHYRbU46XVS0+hCFq4qKblQCc6cY+Q09dPEOatYTj9T67JT0uJdn9Crsh1Vk2vZU8rwLIcJOF0qU2r5Ax16mPj0WVrfb8skNEvCshN7b/AENgWsRg0jYxQwtce0iRIudjbV+p2j9UeV0Jk8PU5l8cPaBF/wAH1PJLwpbPYquL6Tnq8WO8d/L9jvbqnOZpQSnSNIZgr7flnZqx5tpjiVI5E1pe4g099Ke+INTW7aZQju0dGjsjVfCctkzOVKLKil5KmljFLgun4GMVZpbYvDi/wNjGcJrMXlHpMy3/ADEf6hETos/1f4HxorNobMkrfl2WZicLIaWVgtlJJNCM/bHdoL7NHKUlBvKwcWr0npKSzjBAmdlLNmBIXrSdT9SbS2ilzmookE/GOuvilkHZ/bfrPP5YOWfDObl9b2SQvZ6z17R/xz+ILD29Du6qm7UCntiFa+xaT0bw3tjJ7fD83+NzdyHaex9mTc6/My1puym/qXW0KCkmpqcxwJyNRHTRxeyFajZXnGxDbwrmk5QljI8rZeyhYgstucWlBe3y3QtJUtVKewD1eqI1xO56nxnX2xjqS/0yPg+En3zkjzWyVmTEhJyqp90CVStIWLlVhSr3HhElfFLYWTn4b9bH5LB8lwmMoRjzbF+0420w21vw5cQE31EVVQUqYqbISnNyUWsltVDkiot5weVvo86fjBUz/wBX+B0LBJseSmbQtBgSzaylDiVLdA5UAEGtfyxju0WltlbFpYSObW6mqmmXO90+hqxS4s1aVdTpGtMR1QU7lU3ZwTSAPC2W1cy0AteWkAR3LMk18y2EFry0gCM5s/ZjnOuWb3Wl0QBHXsnYyjfVJt7s5XRWAGjsXYZN8ybZbxpdEAINibCBviSb3el0QA4nZCxEm+JNvdjK6IAfRszZKDfTJt7vQpEASW7Hs9vnRKtBrS6PwgCQiTl2+ZthsNDIJgB0JA5kABodv6QAt1auLJup0wgATxfLZ8AygAHF4tnwVwgBRxe3Z8GkAIPTXOzTKAAem3fZpAC/bbvs0gBPtt32aQAp9Nc7dIAPtt32ae6AE+23fZp7oAD6fd9mkAB9MEdhyygDw+pTbl1BujQQB//Z"/>
+          <p:cNvSpPr>
+            <a:spLocks noChangeAspect="1" noChangeArrowheads="1"/>
+          </p:cNvSpPr>
+          <p:nvPr/>
+        </p:nvSpPr>
+        <p:spPr bwMode="auto">
+          <a:xfrm>
+            <a:off x="155575" y="-144463"/>
+            <a:ext cx="304800" cy="304801"/>
+          </a:xfrm>
+          <a:prstGeom prst="rect">
+            <a:avLst/>
+          </a:prstGeom>
+          <a:noFill/>
+          <a:extLst>
+            <a:ext uri="{909E8E84-426E-40DD-AFC4-6F175D3DCCD1}">
+              <a14:hiddenFill xmlns:a14="http://schemas.microsoft.com/office/drawing/2010/main">
+                <a:solidFill>
+                  <a:srgbClr val="FFFFFF"/>
+                </a:solidFill>
+              </a14:hiddenFill>
+            </a:ext>
+          </a:extLst>
+        </p:spPr>
+        <p:txBody>
+          <a:bodyPr vert="horz" wrap="square" lIns="91440" tIns="45720" rIns="91440" bIns="45720" numCol="1" anchor="t" anchorCtr="0" compatLnSpc="1">
+            <a:prstTxWarp prst="textNoShape">
+              <a:avLst/>
+            </a:prstTxWarp>
+          </a:bodyPr>
+          <a:lstStyle/>
+          <a:p>
+            <a:endParaRPr lang="en-US"/>
+          </a:p>
+        </p:txBody>
+      </p:sp>
+      <p:sp>
+        <p:nvSpPr>
+          <p:cNvPr id="6" name="AutoShape 2" descr="Home - MEMA"/>
+          <p:cNvSpPr>
+            <a:spLocks noChangeAspect="1" noChangeArrowheads="1"/>
+          </p:cNvSpPr>
+          <p:nvPr/>
+        </p:nvSpPr>
+        <p:spPr bwMode="auto">
+          <a:xfrm>
+            <a:off x="307975" y="7937"/>
+            <a:ext cx="304800" cy="304801"/>
+          </a:xfrm>
+          <a:prstGeom prst="rect">
+            <a:avLst/>
+          </a:prstGeom>
+          <a:noFill/>
+          <a:extLst>
+            <a:ext uri="{909E8E84-426E-40DD-AFC4-6F175D3DCCD1}">
+              <a14:hiddenFill xmlns:a14="http://schemas.microsoft.com/office/drawing/2010/main">
+                <a:solidFill>
+                  <a:srgbClr val="FFFFFF"/>
+                </a:solidFill>
+              </a14:hiddenFill>
+            </a:ext>
+          </a:extLst>
+        </p:spPr>
+        <p:txBody>
+          <a:bodyPr vert="horz" wrap="square" lIns="91440" tIns="45720" rIns="91440" bIns="45720" numCol="1" anchor="t" anchorCtr="0" compatLnSpc="1">
+            <a:prstTxWarp prst="textNoShape">
+              <a:avLst/>
+            </a:prstTxWarp>
+          </a:bodyPr>
+          <a:lstStyle/>
+          <a:p>
+            <a:endParaRPr lang="en-US"/>
+          </a:p>
+        </p:txBody>
+      </p:sp>
+      <p:grpSp>
+        <p:nvGrpSpPr>
+          <p:cNvPr id="22" name="Group 21">
+            <a:extLst>
+              <a:ext uri="{FF2B5EF4-FFF2-40B4-BE49-F238E27FC236}">
+                <a16:creationId xmlns:a16="http://schemas.microsoft.com/office/drawing/2014/main" id="{6B84B99C-DED9-133D-AAF4-972395DB93A5}"/>
+              </a:ext>
+            </a:extLst>
+          </p:cNvPr>
+          <p:cNvGrpSpPr/>
+          <p:nvPr/>
+        </p:nvGrpSpPr>
+        <p:grpSpPr>
+          <a:xfrm>
+            <a:off x="612774" y="1238250"/>
+            <a:ext cx="7788276" cy="3981450"/>
+            <a:chOff x="612774" y="1238250"/>
+            <a:chExt cx="7788276" cy="3981450"/>
+          </a:xfrm>
+        </p:grpSpPr>
+        <p:sp>
+          <p:nvSpPr>
+            <p:cNvPr id="18" name="Rectangle 17">
+              <a:extLst>
+                <a:ext uri="{FF2B5EF4-FFF2-40B4-BE49-F238E27FC236}">
+                  <a16:creationId xmlns:a16="http://schemas.microsoft.com/office/drawing/2014/main" id="{3DF7FE92-CE8C-75F6-080E-4531FCACB6EC}"/>
+                </a:ext>
+              </a:extLst>
+            </p:cNvPr>
+            <p:cNvSpPr/>
+            <p:nvPr/>
+          </p:nvSpPr>
+          <p:spPr>
+            <a:xfrm>
+              <a:off x="612774" y="1238250"/>
+              <a:ext cx="7788276" cy="3981450"/>
+            </a:xfrm>
+            <a:prstGeom prst="rect">
+              <a:avLst/>
+            </a:prstGeom>
+            <a:solidFill>
+              <a:schemeClr val="bg1"/>
+            </a:solidFill>
+            <a:ln>
+              <a:solidFill>
+                <a:schemeClr val="bg1"/>
+              </a:solidFill>
+            </a:ln>
+          </p:spPr>
+          <p:style>
+            <a:lnRef idx="2">
+              <a:schemeClr val="accent1">
+                <a:shade val="50000"/>
+              </a:schemeClr>
+            </a:lnRef>
+            <a:fillRef idx="1">
+              <a:schemeClr val="accent1"/>
+            </a:fillRef>
+            <a:effectRef idx="0">
+              <a:schemeClr val="accent1"/>
+            </a:effectRef>
+            <a:fontRef idx="minor">
+              <a:schemeClr val="lt1"/>
+            </a:fontRef>
+          </p:style>
+          <p:txBody>
+            <a:bodyPr rtlCol="0" anchor="ctr"/>
+            <a:lstStyle/>
+            <a:p>
+              <a:pPr algn="ctr"/>
+              <a:endParaRPr lang="en-US"/>
+            </a:p>
+          </p:txBody>
+        </p:sp>
+        <p:grpSp>
+          <p:nvGrpSpPr>
+            <p:cNvPr id="5" name="Group 4">
+              <a:extLst>
+                <a:ext uri="{FF2B5EF4-FFF2-40B4-BE49-F238E27FC236}">
+                  <a16:creationId xmlns:a16="http://schemas.microsoft.com/office/drawing/2014/main" id="{1F2CA350-B6B0-3A75-36BA-B8B4303859A9}"/>
+                </a:ext>
+              </a:extLst>
+            </p:cNvPr>
+            <p:cNvGrpSpPr/>
+            <p:nvPr/>
+          </p:nvGrpSpPr>
+          <p:grpSpPr>
+            <a:xfrm>
+              <a:off x="658731" y="1841498"/>
+              <a:ext cx="7666120" cy="2876549"/>
+              <a:chOff x="2595091" y="4066785"/>
+              <a:chExt cx="2913415" cy="776087"/>
+            </a:xfrm>
+          </p:grpSpPr>
+          <p:pic>
+            <p:nvPicPr>
+              <p:cNvPr id="17" name="Picture 16" descr="https://lh6.googleusercontent.com/LW4PFt19QLSfvV88ZwV2X6M5Ddg5IUMBXEHuc_6JZnH0Jp9LvxSc5-vzGxFzVAlksXCf1L58fAQFbRgc4HUqzTZLNH2wJNX45OxY83rPmtP_Kxur3JLC_mEM96GHgRXHkNE-cRlAW6cBGqHfLfJrXfqO9QoUyBtXAcvASQPdmzdBqJ44lPUFsfhdMI_M_bzwG18C4h2Kfg"/>
+              <p:cNvPicPr/>
+              <p:nvPr/>
+            </p:nvPicPr>
+            <p:blipFill>
+              <a:blip r:embed="rId3" cstate="print">
+                <a:extLst>
+                  <a:ext uri="{28A0092B-C50C-407E-A947-70E740481C1C}">
+                    <a14:useLocalDpi xmlns:a14="http://schemas.microsoft.com/office/drawing/2010/main" val="0"/>
+                  </a:ext>
+                </a:extLst>
+              </a:blip>
+              <a:srcRect/>
+              <a:stretch>
+                <a:fillRect/>
+              </a:stretch>
+            </p:blipFill>
+            <p:spPr bwMode="auto">
+              <a:xfrm>
+                <a:off x="4364647" y="4066785"/>
+                <a:ext cx="1143859" cy="776087"/>
+              </a:xfrm>
+              <a:prstGeom prst="rect">
+                <a:avLst/>
+              </a:prstGeom>
+              <a:noFill/>
+              <a:ln>
+                <a:noFill/>
+              </a:ln>
+            </p:spPr>
+          </p:pic>
+          <p:sp>
+            <p:nvSpPr>
+              <p:cNvPr id="44" name="Right Arrow 43"/>
+              <p:cNvSpPr/>
+              <p:nvPr/>
+            </p:nvSpPr>
+            <p:spPr>
+              <a:xfrm>
+                <a:off x="4162366" y="4307788"/>
+                <a:ext cx="154016" cy="234778"/>
+              </a:xfrm>
+              <a:prstGeom prst="rightArrow">
+                <a:avLst/>
+              </a:prstGeom>
+              <a:solidFill>
+                <a:schemeClr val="bg1">
+                  <a:lumMod val="65000"/>
+                </a:schemeClr>
+              </a:solidFill>
+              <a:ln>
+                <a:solidFill>
+                  <a:schemeClr val="bg1">
+                    <a:lumMod val="65000"/>
+                  </a:schemeClr>
+                </a:solidFill>
+              </a:ln>
+            </p:spPr>
+            <p:style>
+              <a:lnRef idx="2">
+                <a:schemeClr val="accent1">
+                  <a:shade val="50000"/>
+                </a:schemeClr>
+              </a:lnRef>
+              <a:fillRef idx="1">
+                <a:schemeClr val="accent1"/>
+              </a:fillRef>
+              <a:effectRef idx="0">
+                <a:schemeClr val="accent1"/>
+              </a:effectRef>
+              <a:fontRef idx="minor">
+                <a:schemeClr val="lt1"/>
+              </a:fontRef>
+            </p:style>
+            <p:txBody>
+              <a:bodyPr rtlCol="0" anchor="ctr"/>
+              <a:lstStyle/>
+              <a:p>
+                <a:pPr algn="ctr"/>
+                <a:endParaRPr lang="en-US"/>
+              </a:p>
+            </p:txBody>
+          </p:sp>
+          <p:pic>
+            <p:nvPicPr>
+              <p:cNvPr id="13" name="Picture 12"/>
+              <p:cNvPicPr>
+                <a:picLocks noChangeAspect="1"/>
+              </p:cNvPicPr>
+              <p:nvPr/>
+            </p:nvPicPr>
+            <p:blipFill rotWithShape="1">
+              <a:blip r:embed="rId4"/>
+              <a:srcRect l="16340" t="6200" r="16603" b="-5738"/>
+              <a:stretch/>
+            </p:blipFill>
+            <p:spPr>
+              <a:xfrm>
+                <a:off x="2595091" y="4321182"/>
+                <a:ext cx="1547259" cy="258660"/>
+              </a:xfrm>
+              <a:prstGeom prst="rect">
+                <a:avLst/>
+              </a:prstGeom>
+            </p:spPr>
+          </p:pic>
+        </p:grpSp>
+      </p:grpSp>
+    </p:spTree>
+    <p:extLst>
+      <p:ext uri="{BB962C8B-B14F-4D97-AF65-F5344CB8AC3E}">
+        <p14:creationId xmlns:p14="http://schemas.microsoft.com/office/powerpoint/2010/main" val="1114387055"/>
+      </p:ext>
+    </p:extLst>
+  </p:cSld>
+  <p:clrMapOvr>
+    <a:masterClrMapping/>
+  </p:clrMapOvr>
+</p:sld>
+</file>
+
+<file path=ppt/slides/slide4.xml><?xml version="1.0" encoding="utf-8"?>
+<p:sld xmlns:a="http://schemas.openxmlformats.org/drawingml/2006/main" xmlns:r="http://schemas.openxmlformats.org/officeDocument/2006/relationships" xmlns:p="http://schemas.openxmlformats.org/presentationml/2006/main">
+  <p:cSld>
+    <p:spTree>
+      <p:nvGrpSpPr>
+        <p:cNvPr id="1" name=""/>
+        <p:cNvGrpSpPr/>
+        <p:nvPr/>
+      </p:nvGrpSpPr>
+      <p:grpSpPr>
+        <a:xfrm>
+          <a:off x="0" y="0"/>
+          <a:ext cx="0" cy="0"/>
+          <a:chOff x="0" y="0"/>
+          <a:chExt cx="0" cy="0"/>
+        </a:xfrm>
+      </p:grpSpPr>
+      <p:sp>
+        <p:nvSpPr>
+          <p:cNvPr id="40" name="AutoShape 2" descr="data:image/jpeg;base64,/9j/4AAQSkZJRgABAQAAAQABAAD/2wCEAAkGBwgHBgkIBwgKCgkLDRYPDQwMDRsUFRAWIB0iIiAdHx8kKDQsJCYxJx8fLT0tMTU3Ojo6Iys/RD84QzQ5OjcBCgoKDQwNGg8PGjclHyU3Nzc3Nzc3Nzc3Nzc3Nzc3Nzc3Nzc3Nzc3Nzc3Nzc3Nzc3Nzc3Nzc3Nzc3Nzc3Nzc3N//AABEIAGQAZAMBEQACEQEDEQH/xAAbAAABBQEBAAAAAAAAAAAAAAAAAQMEBQcGAv/EAEAQAAECAwUGAgYIAwkAAAAAAAECAwAEEQUSMUFRBhMhIiNCMlIzYXGBkaEHFENjscHh8BVTomJkcnSSsrPR8f/EABsBAQADAQEBAQAAAAAAAAAAAAADBQYEAgEH/8QANBEAAgIBAgQCBwcFAQAAAAAAAAECAxEEMQUSIUETcRQiMlGBscEGYZGh0eHwFSM0UmIl/9oADAMBAAIRAxEAPwDaPD1tcq4QAp5escNIATDra5QAYdb+mAD76mOVYAD/ADstIAPviPcIAM99/TABj1qe4wADid9lpABj19O2uMAHiO+07YAQt7/nrSuVIAXgOrrlABh1vlAAOHWyPbABh1sj2/KADgOscDlAEG1JlTSUBlV112uHYnMxXcR1jor5Y+0/y+86dNUpyzLZFQgusOb1lZDgNalRN7/FqIz9eqtrnzqXUsZQjKPK10OglnkzDKZpOB4FGYOBEaym6N1anHuVFkHXJxY799l5YlPAY9bLSADHrDLKADHrZDtgA3e+563cqQAYHfYg5QAYdbt0gAw63ae2ADDrZeWAEUoIBfUrkpUjSPMpKKcnsj6k28Io3FKmHVvrFFLwB7RkP3qYxup1Dvtdj+HkWkIqEVFHkoiEkyPWc99Wmrp9G5lor9fyEW3CtT4dnhS2lt5/uc+pr548y3XyLnPfdvljSFcGPW7dIAMerXgMoAMesMB2wAFtT3OlV0YUgA8PVJND2wAYdXt8sAGHW7T2mAD77t8sAV9oOb5wNJqE8FLH4D8/hFFxjVYSoj8f0OrTwx67+BAtFxcvZ8y+2BeaaWtIOFQCRFJTHmsjF92jok+jZlOyNqT52nky7OzLu/cuOpceUoLB1BNOHyyjT67T1LSyxFLC6dDiqm+ddTV3EApIPxGUZZPD6FmmWsg/v2Q6o87fKtI1/XGNdotT6RUpd+/mVt1fhywtiTiN9lpHYQhid7XlHbABj1u0YiAFuF3nSbo0gBPD1eN09sAB4dXt8sALh1e3SAGph0MtqmDxGSNSeAHxiHUXRprdktkeoQc5cqK9tJ4lRqpRvKOpjF22Ssm5y3Z39FseJ5neyMy352lJ+IMfKpYnF/ejxJ9DGth0B3aezifCFFdfYgxruJTUNLNv+dTlq6zRrjz6U+EVPyjCz1kV7PUtYVt7jUlPqlp1Ljh6SuVYGmR93/cd3CeJSq1C5/Zl0/Rn2/TqdeI7o6WlTvR4fLG5KUMetxu+WADxdXt8sABSp3nQq6DlAC4dUklJ7YATA70+HSADDq15T2wBVzT31ibN0ndNmgGqs/hh8YzXFtVzz8KO0d/P9juphywy938j2gxTHpiqeSOWldY47dZGDxDqz4oNmBfRYl93bZtEysqVKy7t4ZAiiPxMa/7Q2L0Btd2v1INMv7hsrkYFFvEiu041iWJNEvbAnN8wWnFVWwBw8ycj+Ubzg2t9Io5Ze1H5din11Hhz51sy2x6ordGUXBxCfejwjKAC4p3mQbowpABhVwmqDgmADDqHweWAItoTBYYvtnndN1tOh192Mcmt1Ho9Ll32XmTUV+JPrstysQpDLYFeAGcY2c0lzSZY4cmeVTBVwBomKq/USs6Loj0qkhN5lWOPA5TnLHkNm5S2rQmLIVLG0HiTMpbfvlNTU8teWpxi51mo11umhC6LUFs8YyR1QrU24vqW7iorEjsiiM4qJYk0UeJWbVJTbcwgVuHmT5k5j95xY8P1T0tysW3fyF1KurcGds0tLzaJhpQLKhUesR+gRkpxUl3MzKLi+V7nrE7zBHlj0fAuLd5m1XBpABh1FcUHBMAGB3h8GkAc3OT6Xphcx9n4WE/2cz7z8qRkOKa1Ts+5bFzp9O4x5fxIZeU4ak19mUZ2yUrHlnVyKOw4FkRDynlo8TSVvyrzTay2txtSUuDtJFAYkpxCyMpLKTR4nHKaRlWx2xFu2ZtLKzU0yiXl5VRKnUuhQdFCKJANaH1gcI2nEuK6S3STjCWXLt7vMraNPZGxNrY1JauOcYpRLiKGFmsSKJKkRXFRIkTRRe7J2jRapF1RoKra9YzT+fx0jWcE1fNDwJbrbyKjimmw/Gj8TpseqOCM0xoCnC4XOZs3U6VgA8PU+zyTAFJtNaAlmBLtq55gHgD4UZ/HD/yKvi2r9Hpwt5Fhw/Tu2fO9l8/51ObDqlKKlGpjDzbk8sveRJYRxf0rPOIsqz904tsmaIJSojsMX32dindNNdvqVfEsqMce85GWmZ6xZ6w5mUtGZWuabbdW0XCRzKoUEVoQQMxF7OunVV2wlBerlZx7luVsXKEotPcuX5h4fS2G9+7uvryBcvm76MZRwRhH+i5x15fqTNv0rH3lEhpzaa2LR/iE0sz91apRtxwAKcChRsFXAcK8BTD1RZZhoqYeHFcvTL9yxuQ4ds5ZfXt+he2w3bUhsGli2FOpmET4DR315W7u+YHW9HBp/RbOI81GGnHr7s5OiasjpvX3yURm5q1GbBshiYevcyVqS4a3lumtfYkAx3RqhTK6+SXbt2UfqyBSlYoVp/xs1sBLTaW2xRCEhKR6hGHnJzk5PuamuHKkhtL7jDyHmVXXG1BST6xE+ntlTYpx3RJOuNkHGWzNFs6dbtCSanGuVtQ5keU4Ee4xu6LY3Vqce5j76ZU2OuXYk3VOczZup0iUiPD7qJdlyZfXdYQkqVXIDOPkpKKbZ6hFzkox3Znc7PLn512aWCneGiU+VIwH7zJjC6/UPU3Ofbsa6jTqipVrt8xErjgaJGjjPpUVWypD/Mn/AGKi/wDs8sW2eX1KbiqxCPmcmyhNiz1hT0uA4uYaQ8tLyErAUVUNKjhhwOI1i+lN6iF1cumMrp5FXy+G4S9/UtniT9K4P99R/wAYjgiv/Hx/y/mdEv8AN+I1b6bJ2hftOas2XflJuVaW/MBwJ3b4SaEgA1Cvx0rxjo0stRpowhc1JSaSa3XuyeLo1Wyk61hrqxqYtSatHYRbU46XVS0+hCFq4qKblQCc6cY+Q09dPEOatYTj9T67JT0uJdn9Crsh1Vk2vZU8rwLIcJOF0qU2r5Ax16mPj0WVrfb8skNEvCshN7b/AENgWsRg0jYxQwtce0iRIudjbV+p2j9UeV0Jk8PU5l8cPaBF/wAH1PJLwpbPYquL6Tnq8WO8d/L9jvbqnOZpQSnSNIZgr7flnZqx5tpjiVI5E1pe4g099Ke+INTW7aZQju0dGjsjVfCctkzOVKLKil5KmljFLgun4GMVZpbYvDi/wNjGcJrMXlHpMy3/ADEf6hETos/1f4HxorNobMkrfl2WZicLIaWVgtlJJNCM/bHdoL7NHKUlBvKwcWr0npKSzjBAmdlLNmBIXrSdT9SbS2ilzmookE/GOuvilkHZ/bfrPP5YOWfDObl9b2SQvZ6z17R/xz+ILD29Du6qm7UCntiFa+xaT0bw3tjJ7fD83+NzdyHaex9mTc6/My1puym/qXW0KCkmpqcxwJyNRHTRxeyFajZXnGxDbwrmk5QljI8rZeyhYgstucWlBe3y3QtJUtVKewD1eqI1xO56nxnX2xjqS/0yPg+En3zkjzWyVmTEhJyqp90CVStIWLlVhSr3HhElfFLYWTn4b9bH5LB8lwmMoRjzbF+0420w21vw5cQE31EVVQUqYqbISnNyUWsltVDkiot5weVvo86fjBUz/wBX+B0LBJseSmbQtBgSzaylDiVLdA5UAEGtfyxju0WltlbFpYSObW6mqmmXO90+hqxS4s1aVdTpGtMR1QU7lU3ZwTSAPC2W1cy0AteWkAR3LMk18y2EFry0gCM5s/ZjnOuWb3Wl0QBHXsnYyjfVJt7s5XRWAGjsXYZN8ybZbxpdEAINibCBviSb3el0QA4nZCxEm+JNvdjK6IAfRszZKDfTJt7vQpEASW7Hs9vnRKtBrS6PwgCQiTl2+ZthsNDIJgB0JA5kABodv6QAt1auLJup0wgATxfLZ8AygAHF4tnwVwgBRxe3Z8GkAIPTXOzTKAAem3fZpAC/bbvs0gBPtt32aQAp9Nc7dIAPtt32ae6AE+23fZp7oAD6fd9mkAB9MEdhyygDw+pTbl1BujQQB//Z"/>
+          <p:cNvSpPr>
+            <a:spLocks noChangeAspect="1" noChangeArrowheads="1"/>
+          </p:cNvSpPr>
+          <p:nvPr/>
+        </p:nvSpPr>
+        <p:spPr bwMode="auto">
+          <a:xfrm>
+            <a:off x="155575" y="-144463"/>
+            <a:ext cx="304800" cy="304801"/>
+          </a:xfrm>
+          <a:prstGeom prst="rect">
+            <a:avLst/>
+          </a:prstGeom>
+          <a:noFill/>
+          <a:extLst>
+            <a:ext uri="{909E8E84-426E-40DD-AFC4-6F175D3DCCD1}">
+              <a14:hiddenFill xmlns:a14="http://schemas.microsoft.com/office/drawing/2010/main">
+                <a:solidFill>
+                  <a:srgbClr val="FFFFFF"/>
+                </a:solidFill>
+              </a14:hiddenFill>
+            </a:ext>
+          </a:extLst>
+        </p:spPr>
+        <p:txBody>
+          <a:bodyPr vert="horz" wrap="square" lIns="91440" tIns="45720" rIns="91440" bIns="45720" numCol="1" anchor="t" anchorCtr="0" compatLnSpc="1">
+            <a:prstTxWarp prst="textNoShape">
+              <a:avLst/>
+            </a:prstTxWarp>
+          </a:bodyPr>
+          <a:lstStyle/>
+          <a:p>
+            <a:endParaRPr lang="en-US"/>
+          </a:p>
+        </p:txBody>
+      </p:sp>
+      <p:sp>
+        <p:nvSpPr>
+          <p:cNvPr id="6" name="AutoShape 2" descr="Home - MEMA"/>
+          <p:cNvSpPr>
+            <a:spLocks noChangeAspect="1" noChangeArrowheads="1"/>
+          </p:cNvSpPr>
+          <p:nvPr/>
+        </p:nvSpPr>
+        <p:spPr bwMode="auto">
+          <a:xfrm>
+            <a:off x="307975" y="7937"/>
+            <a:ext cx="304800" cy="304801"/>
+          </a:xfrm>
+          <a:prstGeom prst="rect">
+            <a:avLst/>
+          </a:prstGeom>
+          <a:noFill/>
+          <a:extLst>
+            <a:ext uri="{909E8E84-426E-40DD-AFC4-6F175D3DCCD1}">
+              <a14:hiddenFill xmlns:a14="http://schemas.microsoft.com/office/drawing/2010/main">
+                <a:solidFill>
+                  <a:srgbClr val="FFFFFF"/>
+                </a:solidFill>
+              </a14:hiddenFill>
+            </a:ext>
+          </a:extLst>
+        </p:spPr>
+        <p:txBody>
+          <a:bodyPr vert="horz" wrap="square" lIns="91440" tIns="45720" rIns="91440" bIns="45720" numCol="1" anchor="t" anchorCtr="0" compatLnSpc="1">
+            <a:prstTxWarp prst="textNoShape">
+              <a:avLst/>
+            </a:prstTxWarp>
+          </a:bodyPr>
+          <a:lstStyle/>
+          <a:p>
+            <a:endParaRPr lang="en-US"/>
+          </a:p>
+        </p:txBody>
+      </p:sp>
+      <p:grpSp>
+        <p:nvGrpSpPr>
+          <p:cNvPr id="2" name="Group 1">
+            <a:extLst>
+              <a:ext uri="{FF2B5EF4-FFF2-40B4-BE49-F238E27FC236}">
+                <a16:creationId xmlns:a16="http://schemas.microsoft.com/office/drawing/2014/main" id="{0A623DBC-5ACA-6013-4F64-2744BA7956A1}"/>
+              </a:ext>
+            </a:extLst>
+          </p:cNvPr>
+          <p:cNvGrpSpPr/>
+          <p:nvPr/>
+        </p:nvGrpSpPr>
+        <p:grpSpPr>
+          <a:xfrm>
+            <a:off x="1798402" y="2146207"/>
+            <a:ext cx="4685200" cy="3242420"/>
+            <a:chOff x="1760303" y="2010299"/>
+            <a:chExt cx="1468814" cy="1072137"/>
+          </a:xfrm>
+        </p:grpSpPr>
+        <p:pic>
+          <p:nvPicPr>
+            <p:cNvPr id="19" name="Picture 18">
+              <a:extLst>
+                <a:ext uri="{FF2B5EF4-FFF2-40B4-BE49-F238E27FC236}">
+                  <a16:creationId xmlns:a16="http://schemas.microsoft.com/office/drawing/2014/main" id="{BBFC412E-92AA-9E87-1410-3911D0BF4E6D}"/>
+                </a:ext>
+              </a:extLst>
+            </p:cNvPr>
+            <p:cNvPicPr>
+              <a:picLocks noChangeAspect="1"/>
+            </p:cNvPicPr>
+            <p:nvPr/>
+          </p:nvPicPr>
+          <p:blipFill>
+            <a:blip r:embed="rId3" cstate="print">
+              <a:extLst>
+                <a:ext uri="{28A0092B-C50C-407E-A947-70E740481C1C}">
+                  <a14:useLocalDpi xmlns:a14="http://schemas.microsoft.com/office/drawing/2010/main" val="0"/>
+                </a:ext>
+              </a:extLst>
+            </a:blip>
+            <a:stretch>
+              <a:fillRect/>
+            </a:stretch>
+          </p:blipFill>
+          <p:spPr>
+            <a:xfrm>
+              <a:off x="1760303" y="2010299"/>
+              <a:ext cx="899386" cy="1072137"/>
+            </a:xfrm>
+            <a:prstGeom prst="rect">
+              <a:avLst/>
+            </a:prstGeom>
+          </p:spPr>
+        </p:pic>
+        <p:pic>
+          <p:nvPicPr>
+            <p:cNvPr id="4" name="Picture 3"/>
+            <p:cNvPicPr>
+              <a:picLocks noChangeAspect="1"/>
+            </p:cNvPicPr>
+            <p:nvPr/>
+          </p:nvPicPr>
+          <p:blipFill>
+            <a:blip r:embed="rId4"/>
+            <a:stretch>
+              <a:fillRect/>
+            </a:stretch>
+          </p:blipFill>
+          <p:spPr>
+            <a:xfrm>
+              <a:off x="2871307" y="2040331"/>
+              <a:ext cx="354893" cy="354893"/>
+            </a:xfrm>
+            <a:prstGeom prst="rect">
+              <a:avLst/>
+            </a:prstGeom>
+          </p:spPr>
+        </p:pic>
+        <p:pic>
+          <p:nvPicPr>
+            <p:cNvPr id="10" name="Picture 9"/>
+            <p:cNvPicPr>
+              <a:picLocks noChangeAspect="1"/>
+            </p:cNvPicPr>
+            <p:nvPr/>
+          </p:nvPicPr>
+          <p:blipFill>
+            <a:blip r:embed="rId5"/>
+            <a:stretch>
+              <a:fillRect/>
+            </a:stretch>
+          </p:blipFill>
+          <p:spPr>
+            <a:xfrm>
+              <a:off x="2892559" y="2395224"/>
+              <a:ext cx="333641" cy="309299"/>
+            </a:xfrm>
+            <a:prstGeom prst="rect">
+              <a:avLst/>
+            </a:prstGeom>
+          </p:spPr>
+        </p:pic>
+        <p:pic>
+          <p:nvPicPr>
+            <p:cNvPr id="11" name="Picture 10"/>
+            <p:cNvPicPr>
+              <a:picLocks noChangeAspect="1"/>
+            </p:cNvPicPr>
+            <p:nvPr/>
+          </p:nvPicPr>
+          <p:blipFill rotWithShape="1">
+            <a:blip r:embed="rId6"/>
+            <a:srcRect l="32462" t="21428" r="29077" b="44572"/>
+            <a:stretch/>
+          </p:blipFill>
+          <p:spPr>
+            <a:xfrm rot="186362">
+              <a:off x="2904084" y="2713583"/>
+              <a:ext cx="325033" cy="309431"/>
+            </a:xfrm>
+            <a:prstGeom prst="rect">
+              <a:avLst/>
+            </a:prstGeom>
+          </p:spPr>
+        </p:pic>
+      </p:grpSp>
+    </p:spTree>
+    <p:extLst>
+      <p:ext uri="{BB962C8B-B14F-4D97-AF65-F5344CB8AC3E}">
+        <p14:creationId xmlns:p14="http://schemas.microsoft.com/office/powerpoint/2010/main" val="381542672"/>
+      </p:ext>
+    </p:extLst>
+  </p:cSld>
+  <p:clrMapOvr>
+    <a:masterClrMapping/>
+  </p:clrMapOvr>
+</p:sld>
+</file>
+
+<file path=ppt/slides/slide5.xml><?xml version="1.0" encoding="utf-8"?>
 <p:sld xmlns:a="http://schemas.openxmlformats.org/drawingml/2006/main" xmlns:r="http://schemas.openxmlformats.org/officeDocument/2006/relationships" xmlns:p="http://schemas.openxmlformats.org/presentationml/2006/main">
   <p:cSld>
     <p:spTree>
@@ -4889,7 +6322,7 @@
     </p:spTree>
     <p:extLst>
       <p:ext uri="{BB962C8B-B14F-4D97-AF65-F5344CB8AC3E}">
-        <p14:creationId xmlns:p14="http://schemas.microsoft.com/office/powerpoint/2010/main" val="689563719"/>
+        <p14:creationId xmlns:p14="http://schemas.microsoft.com/office/powerpoint/2010/main" val="3671548126"/>
       </p:ext>
     </p:extLst>
   </p:cSld>

--- a/Fig. 1_updated0 -to Nicole.pptx
+++ b/Fig. 1_updated0 -to Nicole.pptx
@@ -201,7 +201,7 @@
           <a:p>
             <a:fld id="{50D27DF9-C019-47AF-AC01-E4894084BABB}" type="datetimeFigureOut">
               <a:rPr lang="en-US" smtClean="0"/>
-              <a:t>1/22/2023</a:t>
+              <a:t>1/25/2023</a:t>
             </a:fld>
             <a:endParaRPr lang="en-US"/>
           </a:p>
@@ -1019,7 +1019,7 @@
           <a:p>
             <a:fld id="{1F3CB690-AD3A-458D-BC2E-E09D8993389B}" type="datetimeFigureOut">
               <a:rPr lang="en-US" smtClean="0"/>
-              <a:t>1/22/2023</a:t>
+              <a:t>1/25/2023</a:t>
             </a:fld>
             <a:endParaRPr lang="en-US"/>
           </a:p>
@@ -1189,7 +1189,7 @@
           <a:p>
             <a:fld id="{1F3CB690-AD3A-458D-BC2E-E09D8993389B}" type="datetimeFigureOut">
               <a:rPr lang="en-US" smtClean="0"/>
-              <a:t>1/22/2023</a:t>
+              <a:t>1/25/2023</a:t>
             </a:fld>
             <a:endParaRPr lang="en-US"/>
           </a:p>
@@ -1369,7 +1369,7 @@
           <a:p>
             <a:fld id="{1F3CB690-AD3A-458D-BC2E-E09D8993389B}" type="datetimeFigureOut">
               <a:rPr lang="en-US" smtClean="0"/>
-              <a:t>1/22/2023</a:t>
+              <a:t>1/25/2023</a:t>
             </a:fld>
             <a:endParaRPr lang="en-US"/>
           </a:p>
@@ -1539,7 +1539,7 @@
           <a:p>
             <a:fld id="{1F3CB690-AD3A-458D-BC2E-E09D8993389B}" type="datetimeFigureOut">
               <a:rPr lang="en-US" smtClean="0"/>
-              <a:t>1/22/2023</a:t>
+              <a:t>1/25/2023</a:t>
             </a:fld>
             <a:endParaRPr lang="en-US"/>
           </a:p>
@@ -1783,7 +1783,7 @@
           <a:p>
             <a:fld id="{1F3CB690-AD3A-458D-BC2E-E09D8993389B}" type="datetimeFigureOut">
               <a:rPr lang="en-US" smtClean="0"/>
-              <a:t>1/22/2023</a:t>
+              <a:t>1/25/2023</a:t>
             </a:fld>
             <a:endParaRPr lang="en-US"/>
           </a:p>
@@ -2015,7 +2015,7 @@
           <a:p>
             <a:fld id="{1F3CB690-AD3A-458D-BC2E-E09D8993389B}" type="datetimeFigureOut">
               <a:rPr lang="en-US" smtClean="0"/>
-              <a:t>1/22/2023</a:t>
+              <a:t>1/25/2023</a:t>
             </a:fld>
             <a:endParaRPr lang="en-US"/>
           </a:p>
@@ -2382,7 +2382,7 @@
           <a:p>
             <a:fld id="{1F3CB690-AD3A-458D-BC2E-E09D8993389B}" type="datetimeFigureOut">
               <a:rPr lang="en-US" smtClean="0"/>
-              <a:t>1/22/2023</a:t>
+              <a:t>1/25/2023</a:t>
             </a:fld>
             <a:endParaRPr lang="en-US"/>
           </a:p>
@@ -2500,7 +2500,7 @@
           <a:p>
             <a:fld id="{1F3CB690-AD3A-458D-BC2E-E09D8993389B}" type="datetimeFigureOut">
               <a:rPr lang="en-US" smtClean="0"/>
-              <a:t>1/22/2023</a:t>
+              <a:t>1/25/2023</a:t>
             </a:fld>
             <a:endParaRPr lang="en-US"/>
           </a:p>
@@ -2595,7 +2595,7 @@
           <a:p>
             <a:fld id="{1F3CB690-AD3A-458D-BC2E-E09D8993389B}" type="datetimeFigureOut">
               <a:rPr lang="en-US" smtClean="0"/>
-              <a:t>1/22/2023</a:t>
+              <a:t>1/25/2023</a:t>
             </a:fld>
             <a:endParaRPr lang="en-US"/>
           </a:p>
@@ -2872,7 +2872,7 @@
           <a:p>
             <a:fld id="{1F3CB690-AD3A-458D-BC2E-E09D8993389B}" type="datetimeFigureOut">
               <a:rPr lang="en-US" smtClean="0"/>
-              <a:t>1/22/2023</a:t>
+              <a:t>1/25/2023</a:t>
             </a:fld>
             <a:endParaRPr lang="en-US"/>
           </a:p>
@@ -3129,7 +3129,7 @@
           <a:p>
             <a:fld id="{1F3CB690-AD3A-458D-BC2E-E09D8993389B}" type="datetimeFigureOut">
               <a:rPr lang="en-US" smtClean="0"/>
-              <a:t>1/22/2023</a:t>
+              <a:t>1/25/2023</a:t>
             </a:fld>
             <a:endParaRPr lang="en-US"/>
           </a:p>
@@ -3342,7 +3342,7 @@
           <a:p>
             <a:fld id="{1F3CB690-AD3A-458D-BC2E-E09D8993389B}" type="datetimeFigureOut">
               <a:rPr lang="en-US" smtClean="0"/>
-              <a:t>1/22/2023</a:t>
+              <a:t>1/25/2023</a:t>
             </a:fld>
             <a:endParaRPr lang="en-US"/>
           </a:p>
@@ -3827,10 +3827,10 @@
       </p:sp>
       <p:grpSp>
         <p:nvGrpSpPr>
-          <p:cNvPr id="5" name="Group 4">
+          <p:cNvPr id="3" name="Group 2">
             <a:extLst>
               <a:ext uri="{FF2B5EF4-FFF2-40B4-BE49-F238E27FC236}">
-                <a16:creationId xmlns:a16="http://schemas.microsoft.com/office/drawing/2014/main" id="{07F2EA62-2704-EFB4-53A6-8DC7FDA99CB3}"/>
+                <a16:creationId xmlns:a16="http://schemas.microsoft.com/office/drawing/2014/main" id="{55CA89D3-2DAF-388E-0849-5EC985FAC5C4}"/>
               </a:ext>
             </a:extLst>
           </p:cNvPr>
@@ -3839,60 +3839,38 @@
         </p:nvGrpSpPr>
         <p:grpSpPr>
           <a:xfrm>
-            <a:off x="512843" y="2374900"/>
-            <a:ext cx="7676395" cy="3006935"/>
-            <a:chOff x="512843" y="2374900"/>
-            <a:chExt cx="7676395" cy="3006935"/>
+            <a:off x="307975" y="1145964"/>
+            <a:ext cx="8683625" cy="4708736"/>
+            <a:chOff x="3174" y="1476164"/>
+            <a:chExt cx="8683625" cy="4708736"/>
           </a:xfrm>
         </p:grpSpPr>
-        <p:pic>
-          <p:nvPicPr>
-            <p:cNvPr id="15" name="Picture 14"/>
-            <p:cNvPicPr>
-              <a:picLocks noChangeAspect="1"/>
-            </p:cNvPicPr>
-            <p:nvPr/>
-          </p:nvPicPr>
-          <p:blipFill>
-            <a:blip r:embed="rId3"/>
-            <a:stretch>
-              <a:fillRect/>
-            </a:stretch>
-          </p:blipFill>
-          <p:spPr>
-            <a:xfrm>
-              <a:off x="512843" y="2374900"/>
-              <a:ext cx="3295140" cy="3006935"/>
-            </a:xfrm>
-            <a:prstGeom prst="rect">
-              <a:avLst/>
-            </a:prstGeom>
-          </p:spPr>
-        </p:pic>
         <p:sp>
           <p:nvSpPr>
-            <p:cNvPr id="33" name="Right Arrow 32"/>
+            <p:cNvPr id="2" name="Rectangle 1">
+              <a:extLst>
+                <a:ext uri="{FF2B5EF4-FFF2-40B4-BE49-F238E27FC236}">
+                  <a16:creationId xmlns:a16="http://schemas.microsoft.com/office/drawing/2014/main" id="{929075F6-0B8D-A606-91AB-92FB115A976A}"/>
+                </a:ext>
+              </a:extLst>
+            </p:cNvPr>
             <p:cNvSpPr/>
             <p:nvPr/>
           </p:nvSpPr>
           <p:spPr>
             <a:xfrm>
-              <a:off x="3922423" y="3664122"/>
-              <a:ext cx="468769" cy="564978"/>
+              <a:off x="3174" y="1476164"/>
+              <a:ext cx="8683625" cy="4708736"/>
             </a:xfrm>
-            <a:prstGeom prst="rightArrow">
+            <a:prstGeom prst="rect">
               <a:avLst/>
             </a:prstGeom>
             <a:solidFill>
-              <a:schemeClr val="bg1">
-                <a:lumMod val="65000"/>
-              </a:schemeClr>
+              <a:schemeClr val="bg1"/>
             </a:solidFill>
             <a:ln>
               <a:solidFill>
-                <a:schemeClr val="bg1">
-                  <a:lumMod val="65000"/>
-                </a:schemeClr>
+                <a:schemeClr val="bg1"/>
               </a:solidFill>
             </a:ln>
           </p:spPr>
@@ -3921,36 +3899,133 @@
             </a:p>
           </p:txBody>
         </p:sp>
-        <p:pic>
-          <p:nvPicPr>
-            <p:cNvPr id="14" name="Picture 13">
+        <p:grpSp>
+          <p:nvGrpSpPr>
+            <p:cNvPr id="5" name="Group 4">
               <a:extLst>
                 <a:ext uri="{FF2B5EF4-FFF2-40B4-BE49-F238E27FC236}">
-                  <a16:creationId xmlns:a16="http://schemas.microsoft.com/office/drawing/2014/main" id="{721516CA-2B08-B348-B6B9-0B4CEEE16442}"/>
+                  <a16:creationId xmlns:a16="http://schemas.microsoft.com/office/drawing/2014/main" id="{07F2EA62-2704-EFB4-53A6-8DC7FDA99CB3}"/>
                 </a:ext>
               </a:extLst>
             </p:cNvPr>
-            <p:cNvPicPr>
-              <a:picLocks noChangeAspect="1"/>
-            </p:cNvPicPr>
+            <p:cNvGrpSpPr/>
             <p:nvPr/>
-          </p:nvPicPr>
-          <p:blipFill>
-            <a:blip r:embed="rId4"/>
-            <a:stretch>
-              <a:fillRect/>
-            </a:stretch>
-          </p:blipFill>
-          <p:spPr>
+          </p:nvGrpSpPr>
+          <p:grpSpPr>
             <a:xfrm>
-              <a:off x="4505632" y="2495550"/>
-              <a:ext cx="3683606" cy="2865027"/>
+              <a:off x="512843" y="2159000"/>
+              <a:ext cx="7676395" cy="3006935"/>
+              <a:chOff x="512843" y="2159000"/>
+              <a:chExt cx="7676395" cy="3006935"/>
             </a:xfrm>
-            <a:prstGeom prst="rect">
-              <a:avLst/>
-            </a:prstGeom>
-          </p:spPr>
-        </p:pic>
+          </p:grpSpPr>
+          <p:pic>
+            <p:nvPicPr>
+              <p:cNvPr id="15" name="Picture 14"/>
+              <p:cNvPicPr>
+                <a:picLocks noChangeAspect="1"/>
+              </p:cNvPicPr>
+              <p:nvPr/>
+            </p:nvPicPr>
+            <p:blipFill>
+              <a:blip r:embed="rId3"/>
+              <a:stretch>
+                <a:fillRect/>
+              </a:stretch>
+            </p:blipFill>
+            <p:spPr>
+              <a:xfrm>
+                <a:off x="512843" y="2159000"/>
+                <a:ext cx="3295140" cy="3006935"/>
+              </a:xfrm>
+              <a:prstGeom prst="rect">
+                <a:avLst/>
+              </a:prstGeom>
+            </p:spPr>
+          </p:pic>
+          <p:sp>
+            <p:nvSpPr>
+              <p:cNvPr id="33" name="Right Arrow 32"/>
+              <p:cNvSpPr/>
+              <p:nvPr/>
+            </p:nvSpPr>
+            <p:spPr>
+              <a:xfrm>
+                <a:off x="3922423" y="3448222"/>
+                <a:ext cx="468769" cy="564978"/>
+              </a:xfrm>
+              <a:prstGeom prst="rightArrow">
+                <a:avLst/>
+              </a:prstGeom>
+              <a:solidFill>
+                <a:schemeClr val="bg1">
+                  <a:lumMod val="65000"/>
+                </a:schemeClr>
+              </a:solidFill>
+              <a:ln>
+                <a:solidFill>
+                  <a:schemeClr val="bg1">
+                    <a:lumMod val="65000"/>
+                  </a:schemeClr>
+                </a:solidFill>
+              </a:ln>
+            </p:spPr>
+            <p:style>
+              <a:lnRef idx="2">
+                <a:schemeClr val="accent1">
+                  <a:shade val="50000"/>
+                </a:schemeClr>
+              </a:lnRef>
+              <a:fillRef idx="1">
+                <a:schemeClr val="accent1"/>
+              </a:fillRef>
+              <a:effectRef idx="0">
+                <a:schemeClr val="accent1"/>
+              </a:effectRef>
+              <a:fontRef idx="minor">
+                <a:schemeClr val="lt1"/>
+              </a:fontRef>
+            </p:style>
+            <p:txBody>
+              <a:bodyPr rtlCol="0" anchor="ctr"/>
+              <a:lstStyle/>
+              <a:p>
+                <a:pPr algn="ctr"/>
+                <a:endParaRPr lang="en-US"/>
+              </a:p>
+            </p:txBody>
+          </p:sp>
+          <p:pic>
+            <p:nvPicPr>
+              <p:cNvPr id="14" name="Picture 13">
+                <a:extLst>
+                  <a:ext uri="{FF2B5EF4-FFF2-40B4-BE49-F238E27FC236}">
+                    <a16:creationId xmlns:a16="http://schemas.microsoft.com/office/drawing/2014/main" id="{721516CA-2B08-B348-B6B9-0B4CEEE16442}"/>
+                  </a:ext>
+                </a:extLst>
+              </p:cNvPr>
+              <p:cNvPicPr>
+                <a:picLocks noChangeAspect="1"/>
+              </p:cNvPicPr>
+              <p:nvPr/>
+            </p:nvPicPr>
+            <p:blipFill>
+              <a:blip r:embed="rId4"/>
+              <a:stretch>
+                <a:fillRect/>
+              </a:stretch>
+            </p:blipFill>
+            <p:spPr>
+              <a:xfrm>
+                <a:off x="4505632" y="2279650"/>
+                <a:ext cx="3683606" cy="2865027"/>
+              </a:xfrm>
+              <a:prstGeom prst="rect">
+                <a:avLst/>
+              </a:prstGeom>
+            </p:spPr>
+          </p:pic>
+        </p:grpSp>
       </p:grpSp>
     </p:spTree>
     <p:extLst>
@@ -4062,10 +4137,10 @@
       </p:sp>
       <p:grpSp>
         <p:nvGrpSpPr>
-          <p:cNvPr id="5" name="Group 4">
+          <p:cNvPr id="4" name="Group 3">
             <a:extLst>
               <a:ext uri="{FF2B5EF4-FFF2-40B4-BE49-F238E27FC236}">
-                <a16:creationId xmlns:a16="http://schemas.microsoft.com/office/drawing/2014/main" id="{25C783C2-CE38-D965-43D8-5F1B1D099591}"/>
+                <a16:creationId xmlns:a16="http://schemas.microsoft.com/office/drawing/2014/main" id="{C7006CA8-E0F0-ADD1-05BA-AEB33A02A781}"/>
               </a:ext>
             </a:extLst>
           </p:cNvPr>
@@ -4074,92 +4149,38 @@
         </p:nvGrpSpPr>
         <p:grpSpPr>
           <a:xfrm>
-            <a:off x="872457" y="2602349"/>
-            <a:ext cx="6766591" cy="2863810"/>
-            <a:chOff x="4123182" y="2227699"/>
-            <a:chExt cx="3769872" cy="1020284"/>
+            <a:off x="552448" y="1955800"/>
+            <a:ext cx="7353301" cy="4356100"/>
+            <a:chOff x="552448" y="1955800"/>
+            <a:chExt cx="7353301" cy="4356100"/>
           </a:xfrm>
         </p:grpSpPr>
-        <p:cxnSp>
-          <p:nvCxnSpPr>
-            <p:cNvPr id="8" name="Straight Arrow Connector 7"/>
-            <p:cNvCxnSpPr/>
-            <p:nvPr/>
-          </p:nvCxnSpPr>
-          <p:spPr>
-            <a:xfrm>
-              <a:off x="4928205" y="2728979"/>
-              <a:ext cx="253314" cy="0"/>
-            </a:xfrm>
-            <a:prstGeom prst="straightConnector1">
-              <a:avLst/>
-            </a:prstGeom>
-            <a:ln>
-              <a:tailEnd type="triangle"/>
-            </a:ln>
-          </p:spPr>
-          <p:style>
-            <a:lnRef idx="1">
-              <a:schemeClr val="accent1"/>
-            </a:lnRef>
-            <a:fillRef idx="0">
-              <a:schemeClr val="accent1"/>
-            </a:fillRef>
-            <a:effectRef idx="0">
-              <a:schemeClr val="accent1"/>
-            </a:effectRef>
-            <a:fontRef idx="minor">
-              <a:schemeClr val="tx1"/>
-            </a:fontRef>
-          </p:style>
-        </p:cxnSp>
-        <p:pic>
-          <p:nvPicPr>
-            <p:cNvPr id="3" name="Picture 2"/>
-            <p:cNvPicPr>
-              <a:picLocks noChangeAspect="1"/>
-            </p:cNvPicPr>
-            <p:nvPr/>
-          </p:nvPicPr>
-          <p:blipFill rotWithShape="1">
-            <a:blip r:embed="rId3"/>
-            <a:srcRect l="42621" t="14677" r="24839" b="27903"/>
-            <a:stretch/>
-          </p:blipFill>
-          <p:spPr>
-            <a:xfrm>
-              <a:off x="4123182" y="2386638"/>
-              <a:ext cx="902987" cy="700154"/>
-            </a:xfrm>
-            <a:prstGeom prst="rect">
-              <a:avLst/>
-            </a:prstGeom>
-          </p:spPr>
-        </p:pic>
         <p:sp>
           <p:nvSpPr>
-            <p:cNvPr id="36" name="Right Arrow 35"/>
+            <p:cNvPr id="2" name="Rectangle 1">
+              <a:extLst>
+                <a:ext uri="{FF2B5EF4-FFF2-40B4-BE49-F238E27FC236}">
+                  <a16:creationId xmlns:a16="http://schemas.microsoft.com/office/drawing/2014/main" id="{069FBBCE-2E80-161B-2C20-2D18AEBFE911}"/>
+                </a:ext>
+              </a:extLst>
+            </p:cNvPr>
             <p:cNvSpPr/>
             <p:nvPr/>
           </p:nvSpPr>
           <p:spPr>
             <a:xfrm>
-              <a:off x="5040190" y="2599945"/>
-              <a:ext cx="195814" cy="234778"/>
+              <a:off x="552448" y="1955800"/>
+              <a:ext cx="7353301" cy="4356100"/>
             </a:xfrm>
-            <a:prstGeom prst="rightArrow">
+            <a:prstGeom prst="rect">
               <a:avLst/>
             </a:prstGeom>
             <a:solidFill>
-              <a:schemeClr val="bg1">
-                <a:lumMod val="65000"/>
-              </a:schemeClr>
+              <a:schemeClr val="bg1"/>
             </a:solidFill>
             <a:ln>
               <a:solidFill>
-                <a:schemeClr val="bg1">
-                  <a:lumMod val="65000"/>
-                </a:schemeClr>
+                <a:schemeClr val="bg1"/>
               </a:solidFill>
             </a:ln>
           </p:spPr>
@@ -4188,79 +4209,208 @@
             </a:p>
           </p:txBody>
         </p:sp>
-        <p:sp>
-          <p:nvSpPr>
-            <p:cNvPr id="37" name="Rounded Rectangle 36"/>
-            <p:cNvSpPr/>
-            <p:nvPr/>
-          </p:nvSpPr>
-          <p:spPr>
-            <a:xfrm>
-              <a:off x="5264045" y="2227699"/>
-              <a:ext cx="2629009" cy="1020284"/>
-            </a:xfrm>
-            <a:prstGeom prst="roundRect">
-              <a:avLst/>
-            </a:prstGeom>
-            <a:noFill/>
-            <a:ln>
-              <a:prstDash val="dash"/>
-            </a:ln>
-          </p:spPr>
-          <p:style>
-            <a:lnRef idx="2">
-              <a:schemeClr val="accent1">
-                <a:shade val="50000"/>
-              </a:schemeClr>
-            </a:lnRef>
-            <a:fillRef idx="1">
-              <a:schemeClr val="accent1"/>
-            </a:fillRef>
-            <a:effectRef idx="0">
-              <a:schemeClr val="accent1"/>
-            </a:effectRef>
-            <a:fontRef idx="minor">
-              <a:schemeClr val="lt1"/>
-            </a:fontRef>
-          </p:style>
-          <p:txBody>
-            <a:bodyPr rtlCol="0" anchor="ctr"/>
-            <a:lstStyle/>
-            <a:p>
-              <a:pPr algn="ctr"/>
-              <a:endParaRPr lang="en-US"/>
-            </a:p>
-          </p:txBody>
-        </p:sp>
-        <p:pic>
-          <p:nvPicPr>
-            <p:cNvPr id="7" name="Picture 6"/>
-            <p:cNvPicPr>
-              <a:picLocks noChangeAspect="1"/>
-            </p:cNvPicPr>
-            <p:nvPr/>
-          </p:nvPicPr>
-          <p:blipFill rotWithShape="1">
-            <a:blip r:embed="rId4" cstate="print">
+        <p:grpSp>
+          <p:nvGrpSpPr>
+            <p:cNvPr id="5" name="Group 4">
               <a:extLst>
-                <a:ext uri="{28A0092B-C50C-407E-A947-70E740481C1C}">
-                  <a14:useLocalDpi xmlns:a14="http://schemas.microsoft.com/office/drawing/2010/main" val="0"/>
+                <a:ext uri="{FF2B5EF4-FFF2-40B4-BE49-F238E27FC236}">
+                  <a16:creationId xmlns:a16="http://schemas.microsoft.com/office/drawing/2014/main" id="{25C783C2-CE38-D965-43D8-5F1B1D099591}"/>
                 </a:ext>
               </a:extLst>
-            </a:blip>
-            <a:srcRect l="32083" t="9119" r="1033" b="7156"/>
-            <a:stretch/>
-          </p:blipFill>
-          <p:spPr>
+            </p:cNvPr>
+            <p:cNvGrpSpPr/>
+            <p:nvPr/>
+          </p:nvGrpSpPr>
+          <p:grpSpPr>
             <a:xfrm>
-              <a:off x="5331703" y="2386638"/>
-              <a:ext cx="2522436" cy="740601"/>
+              <a:off x="872457" y="2602349"/>
+              <a:ext cx="6766591" cy="2863810"/>
+              <a:chOff x="4123182" y="2227699"/>
+              <a:chExt cx="3769872" cy="1020284"/>
             </a:xfrm>
-            <a:prstGeom prst="rect">
-              <a:avLst/>
-            </a:prstGeom>
-          </p:spPr>
-        </p:pic>
+          </p:grpSpPr>
+          <p:cxnSp>
+            <p:nvCxnSpPr>
+              <p:cNvPr id="8" name="Straight Arrow Connector 7"/>
+              <p:cNvCxnSpPr/>
+              <p:nvPr/>
+            </p:nvCxnSpPr>
+            <p:spPr>
+              <a:xfrm>
+                <a:off x="4928205" y="2728979"/>
+                <a:ext cx="253314" cy="0"/>
+              </a:xfrm>
+              <a:prstGeom prst="straightConnector1">
+                <a:avLst/>
+              </a:prstGeom>
+              <a:ln>
+                <a:tailEnd type="triangle"/>
+              </a:ln>
+            </p:spPr>
+            <p:style>
+              <a:lnRef idx="1">
+                <a:schemeClr val="accent1"/>
+              </a:lnRef>
+              <a:fillRef idx="0">
+                <a:schemeClr val="accent1"/>
+              </a:fillRef>
+              <a:effectRef idx="0">
+                <a:schemeClr val="accent1"/>
+              </a:effectRef>
+              <a:fontRef idx="minor">
+                <a:schemeClr val="tx1"/>
+              </a:fontRef>
+            </p:style>
+          </p:cxnSp>
+          <p:pic>
+            <p:nvPicPr>
+              <p:cNvPr id="3" name="Picture 2"/>
+              <p:cNvPicPr>
+                <a:picLocks noChangeAspect="1"/>
+              </p:cNvPicPr>
+              <p:nvPr/>
+            </p:nvPicPr>
+            <p:blipFill rotWithShape="1">
+              <a:blip r:embed="rId3"/>
+              <a:srcRect l="42621" t="14677" r="24839" b="27903"/>
+              <a:stretch/>
+            </p:blipFill>
+            <p:spPr>
+              <a:xfrm>
+                <a:off x="4123182" y="2386638"/>
+                <a:ext cx="902987" cy="700154"/>
+              </a:xfrm>
+              <a:prstGeom prst="rect">
+                <a:avLst/>
+              </a:prstGeom>
+            </p:spPr>
+          </p:pic>
+          <p:sp>
+            <p:nvSpPr>
+              <p:cNvPr id="36" name="Right Arrow 35"/>
+              <p:cNvSpPr/>
+              <p:nvPr/>
+            </p:nvSpPr>
+            <p:spPr>
+              <a:xfrm>
+                <a:off x="5040190" y="2599945"/>
+                <a:ext cx="195814" cy="234778"/>
+              </a:xfrm>
+              <a:prstGeom prst="rightArrow">
+                <a:avLst/>
+              </a:prstGeom>
+              <a:solidFill>
+                <a:schemeClr val="bg1">
+                  <a:lumMod val="65000"/>
+                </a:schemeClr>
+              </a:solidFill>
+              <a:ln>
+                <a:solidFill>
+                  <a:schemeClr val="bg1">
+                    <a:lumMod val="65000"/>
+                  </a:schemeClr>
+                </a:solidFill>
+              </a:ln>
+            </p:spPr>
+            <p:style>
+              <a:lnRef idx="2">
+                <a:schemeClr val="accent1">
+                  <a:shade val="50000"/>
+                </a:schemeClr>
+              </a:lnRef>
+              <a:fillRef idx="1">
+                <a:schemeClr val="accent1"/>
+              </a:fillRef>
+              <a:effectRef idx="0">
+                <a:schemeClr val="accent1"/>
+              </a:effectRef>
+              <a:fontRef idx="minor">
+                <a:schemeClr val="lt1"/>
+              </a:fontRef>
+            </p:style>
+            <p:txBody>
+              <a:bodyPr rtlCol="0" anchor="ctr"/>
+              <a:lstStyle/>
+              <a:p>
+                <a:pPr algn="ctr"/>
+                <a:endParaRPr lang="en-US"/>
+              </a:p>
+            </p:txBody>
+          </p:sp>
+          <p:sp>
+            <p:nvSpPr>
+              <p:cNvPr id="37" name="Rounded Rectangle 36"/>
+              <p:cNvSpPr/>
+              <p:nvPr/>
+            </p:nvSpPr>
+            <p:spPr>
+              <a:xfrm>
+                <a:off x="5264045" y="2227699"/>
+                <a:ext cx="2629009" cy="1020284"/>
+              </a:xfrm>
+              <a:prstGeom prst="roundRect">
+                <a:avLst/>
+              </a:prstGeom>
+              <a:noFill/>
+              <a:ln>
+                <a:prstDash val="dash"/>
+              </a:ln>
+            </p:spPr>
+            <p:style>
+              <a:lnRef idx="2">
+                <a:schemeClr val="accent1">
+                  <a:shade val="50000"/>
+                </a:schemeClr>
+              </a:lnRef>
+              <a:fillRef idx="1">
+                <a:schemeClr val="accent1"/>
+              </a:fillRef>
+              <a:effectRef idx="0">
+                <a:schemeClr val="accent1"/>
+              </a:effectRef>
+              <a:fontRef idx="minor">
+                <a:schemeClr val="lt1"/>
+              </a:fontRef>
+            </p:style>
+            <p:txBody>
+              <a:bodyPr rtlCol="0" anchor="ctr"/>
+              <a:lstStyle/>
+              <a:p>
+                <a:pPr algn="ctr"/>
+                <a:endParaRPr lang="en-US"/>
+              </a:p>
+            </p:txBody>
+          </p:sp>
+          <p:pic>
+            <p:nvPicPr>
+              <p:cNvPr id="7" name="Picture 6"/>
+              <p:cNvPicPr>
+                <a:picLocks noChangeAspect="1"/>
+              </p:cNvPicPr>
+              <p:nvPr/>
+            </p:nvPicPr>
+            <p:blipFill rotWithShape="1">
+              <a:blip r:embed="rId4" cstate="print">
+                <a:extLst>
+                  <a:ext uri="{28A0092B-C50C-407E-A947-70E740481C1C}">
+                    <a14:useLocalDpi xmlns:a14="http://schemas.microsoft.com/office/drawing/2010/main" val="0"/>
+                  </a:ext>
+                </a:extLst>
+              </a:blip>
+              <a:srcRect l="32083" t="9119" r="1033" b="7156"/>
+              <a:stretch/>
+            </p:blipFill>
+            <p:spPr>
+              <a:xfrm>
+                <a:off x="5331703" y="2386638"/>
+                <a:ext cx="2522436" cy="740601"/>
+              </a:xfrm>
+              <a:prstGeom prst="rect">
+                <a:avLst/>
+              </a:prstGeom>
+            </p:spPr>
+          </p:pic>
+        </p:grpSp>
       </p:grpSp>
     </p:spTree>
     <p:extLst>
@@ -4384,10 +4534,10 @@
         </p:nvGrpSpPr>
         <p:grpSpPr>
           <a:xfrm>
-            <a:off x="612774" y="1238250"/>
-            <a:ext cx="7788276" cy="3981450"/>
-            <a:chOff x="612774" y="1238250"/>
-            <a:chExt cx="7788276" cy="3981450"/>
+            <a:off x="1384300" y="1041400"/>
+            <a:ext cx="7016750" cy="3721100"/>
+            <a:chOff x="1384300" y="1041400"/>
+            <a:chExt cx="7016750" cy="3721100"/>
           </a:xfrm>
         </p:grpSpPr>
         <p:sp>
@@ -4404,8 +4554,8 @@
           </p:nvSpPr>
           <p:spPr>
             <a:xfrm>
-              <a:off x="612774" y="1238250"/>
-              <a:ext cx="7788276" cy="3981450"/>
+              <a:off x="1384300" y="1041400"/>
+              <a:ext cx="7016750" cy="3721100"/>
             </a:xfrm>
             <a:prstGeom prst="rect">
               <a:avLst/>
@@ -4458,10 +4608,10 @@
           </p:nvGrpSpPr>
           <p:grpSpPr>
             <a:xfrm>
-              <a:off x="658731" y="1841498"/>
-              <a:ext cx="7666120" cy="2876549"/>
-              <a:chOff x="2595091" y="4066785"/>
-              <a:chExt cx="2913415" cy="776087"/>
+              <a:off x="1651001" y="1676403"/>
+              <a:ext cx="6430428" cy="2083067"/>
+              <a:chOff x="2972190" y="4022240"/>
+              <a:chExt cx="2443805" cy="562007"/>
             </a:xfrm>
           </p:grpSpPr>
           <p:pic>
@@ -4485,8 +4635,8 @@
             </p:blipFill>
             <p:spPr bwMode="auto">
               <a:xfrm>
-                <a:off x="4364647" y="4066785"/>
-                <a:ext cx="1143859" cy="776087"/>
+                <a:off x="4380333" y="4022240"/>
+                <a:ext cx="1035662" cy="562007"/>
               </a:xfrm>
               <a:prstGeom prst="rect">
                 <a:avLst/>
@@ -4505,7 +4655,7 @@
             </p:nvSpPr>
             <p:spPr>
               <a:xfrm>
-                <a:off x="4162366" y="4307788"/>
+                <a:off x="4162366" y="4169022"/>
                 <a:ext cx="154016" cy="234778"/>
               </a:xfrm>
               <a:prstGeom prst="rightArrow">
@@ -4564,8 +4714,8 @@
             </p:blipFill>
             <p:spPr>
               <a:xfrm>
-                <a:off x="2595091" y="4321182"/>
-                <a:ext cx="1547259" cy="258660"/>
+                <a:off x="2972190" y="4224821"/>
+                <a:ext cx="1126225" cy="178979"/>
               </a:xfrm>
               <a:prstGeom prst="rect">
                 <a:avLst/>
@@ -4684,10 +4834,10 @@
       </p:sp>
       <p:grpSp>
         <p:nvGrpSpPr>
-          <p:cNvPr id="2" name="Group 1">
+          <p:cNvPr id="5" name="Group 4">
             <a:extLst>
               <a:ext uri="{FF2B5EF4-FFF2-40B4-BE49-F238E27FC236}">
-                <a16:creationId xmlns:a16="http://schemas.microsoft.com/office/drawing/2014/main" id="{0A623DBC-5ACA-6013-4F64-2744BA7956A1}"/>
+                <a16:creationId xmlns:a16="http://schemas.microsoft.com/office/drawing/2014/main" id="{06F7591E-BB80-972D-9DB8-615B723900D6}"/>
               </a:ext>
             </a:extLst>
           </p:cNvPr>
@@ -4696,119 +4846,194 @@
         </p:nvGrpSpPr>
         <p:grpSpPr>
           <a:xfrm>
-            <a:off x="1798402" y="2146207"/>
-            <a:ext cx="4685200" cy="3242420"/>
-            <a:chOff x="1760303" y="2010299"/>
-            <a:chExt cx="1468814" cy="1072137"/>
+            <a:off x="1384300" y="1905000"/>
+            <a:ext cx="6337300" cy="3600450"/>
+            <a:chOff x="1384300" y="1905000"/>
+            <a:chExt cx="6337300" cy="3600450"/>
           </a:xfrm>
         </p:grpSpPr>
-        <p:pic>
-          <p:nvPicPr>
-            <p:cNvPr id="19" name="Picture 18">
+        <p:sp>
+          <p:nvSpPr>
+            <p:cNvPr id="3" name="Rectangle 2">
               <a:extLst>
                 <a:ext uri="{FF2B5EF4-FFF2-40B4-BE49-F238E27FC236}">
-                  <a16:creationId xmlns:a16="http://schemas.microsoft.com/office/drawing/2014/main" id="{BBFC412E-92AA-9E87-1410-3911D0BF4E6D}"/>
+                  <a16:creationId xmlns:a16="http://schemas.microsoft.com/office/drawing/2014/main" id="{C5FFED40-2FF0-1C00-FFB8-8773D099F18E}"/>
                 </a:ext>
               </a:extLst>
             </p:cNvPr>
-            <p:cNvPicPr>
-              <a:picLocks noChangeAspect="1"/>
-            </p:cNvPicPr>
+            <p:cNvSpPr/>
             <p:nvPr/>
-          </p:nvPicPr>
-          <p:blipFill>
-            <a:blip r:embed="rId3" cstate="print">
-              <a:extLst>
-                <a:ext uri="{28A0092B-C50C-407E-A947-70E740481C1C}">
-                  <a14:useLocalDpi xmlns:a14="http://schemas.microsoft.com/office/drawing/2010/main" val="0"/>
-                </a:ext>
-              </a:extLst>
-            </a:blip>
-            <a:stretch>
-              <a:fillRect/>
-            </a:stretch>
-          </p:blipFill>
+          </p:nvSpPr>
           <p:spPr>
             <a:xfrm>
-              <a:off x="1760303" y="2010299"/>
-              <a:ext cx="899386" cy="1072137"/>
+              <a:off x="1384300" y="1905000"/>
+              <a:ext cx="6337300" cy="3600450"/>
             </a:xfrm>
             <a:prstGeom prst="rect">
               <a:avLst/>
             </a:prstGeom>
+            <a:solidFill>
+              <a:schemeClr val="bg1"/>
+            </a:solidFill>
+            <a:ln>
+              <a:solidFill>
+                <a:schemeClr val="bg1"/>
+              </a:solidFill>
+            </a:ln>
           </p:spPr>
-        </p:pic>
-        <p:pic>
-          <p:nvPicPr>
-            <p:cNvPr id="4" name="Picture 3"/>
-            <p:cNvPicPr>
-              <a:picLocks noChangeAspect="1"/>
-            </p:cNvPicPr>
+          <p:style>
+            <a:lnRef idx="2">
+              <a:schemeClr val="accent1">
+                <a:shade val="50000"/>
+              </a:schemeClr>
+            </a:lnRef>
+            <a:fillRef idx="1">
+              <a:schemeClr val="accent1"/>
+            </a:fillRef>
+            <a:effectRef idx="0">
+              <a:schemeClr val="accent1"/>
+            </a:effectRef>
+            <a:fontRef idx="minor">
+              <a:schemeClr val="lt1"/>
+            </a:fontRef>
+          </p:style>
+          <p:txBody>
+            <a:bodyPr rtlCol="0" anchor="ctr"/>
+            <a:lstStyle/>
+            <a:p>
+              <a:pPr algn="ctr"/>
+              <a:endParaRPr lang="en-US"/>
+            </a:p>
+          </p:txBody>
+        </p:sp>
+        <p:grpSp>
+          <p:nvGrpSpPr>
+            <p:cNvPr id="2" name="Group 1">
+              <a:extLst>
+                <a:ext uri="{FF2B5EF4-FFF2-40B4-BE49-F238E27FC236}">
+                  <a16:creationId xmlns:a16="http://schemas.microsoft.com/office/drawing/2014/main" id="{0A623DBC-5ACA-6013-4F64-2744BA7956A1}"/>
+                </a:ext>
+              </a:extLst>
+            </p:cNvPr>
+            <p:cNvGrpSpPr/>
             <p:nvPr/>
-          </p:nvPicPr>
-          <p:blipFill>
-            <a:blip r:embed="rId4"/>
-            <a:stretch>
-              <a:fillRect/>
-            </a:stretch>
-          </p:blipFill>
-          <p:spPr>
+          </p:nvGrpSpPr>
+          <p:grpSpPr>
             <a:xfrm>
-              <a:off x="2871307" y="2040331"/>
-              <a:ext cx="354893" cy="354893"/>
+              <a:off x="2436576" y="2040174"/>
+              <a:ext cx="3951768" cy="2971881"/>
+              <a:chOff x="1960371" y="1975238"/>
+              <a:chExt cx="1238883" cy="982681"/>
             </a:xfrm>
-            <a:prstGeom prst="rect">
-              <a:avLst/>
-            </a:prstGeom>
-          </p:spPr>
-        </p:pic>
-        <p:pic>
-          <p:nvPicPr>
-            <p:cNvPr id="10" name="Picture 9"/>
-            <p:cNvPicPr>
-              <a:picLocks noChangeAspect="1"/>
-            </p:cNvPicPr>
-            <p:nvPr/>
-          </p:nvPicPr>
-          <p:blipFill>
-            <a:blip r:embed="rId5"/>
-            <a:stretch>
-              <a:fillRect/>
-            </a:stretch>
-          </p:blipFill>
-          <p:spPr>
-            <a:xfrm>
-              <a:off x="2892559" y="2395224"/>
-              <a:ext cx="333641" cy="309299"/>
-            </a:xfrm>
-            <a:prstGeom prst="rect">
-              <a:avLst/>
-            </a:prstGeom>
-          </p:spPr>
-        </p:pic>
-        <p:pic>
-          <p:nvPicPr>
-            <p:cNvPr id="11" name="Picture 10"/>
-            <p:cNvPicPr>
-              <a:picLocks noChangeAspect="1"/>
-            </p:cNvPicPr>
-            <p:nvPr/>
-          </p:nvPicPr>
-          <p:blipFill rotWithShape="1">
-            <a:blip r:embed="rId6"/>
-            <a:srcRect l="32462" t="21428" r="29077" b="44572"/>
-            <a:stretch/>
-          </p:blipFill>
-          <p:spPr>
-            <a:xfrm rot="186362">
-              <a:off x="2904084" y="2713583"/>
-              <a:ext cx="325033" cy="309431"/>
-            </a:xfrm>
-            <a:prstGeom prst="rect">
-              <a:avLst/>
-            </a:prstGeom>
-          </p:spPr>
-        </p:pic>
+          </p:grpSpPr>
+          <p:pic>
+            <p:nvPicPr>
+              <p:cNvPr id="19" name="Picture 18">
+                <a:extLst>
+                  <a:ext uri="{FF2B5EF4-FFF2-40B4-BE49-F238E27FC236}">
+                    <a16:creationId xmlns:a16="http://schemas.microsoft.com/office/drawing/2014/main" id="{BBFC412E-92AA-9E87-1410-3911D0BF4E6D}"/>
+                  </a:ext>
+                </a:extLst>
+              </p:cNvPr>
+              <p:cNvPicPr>
+                <a:picLocks noChangeAspect="1"/>
+              </p:cNvPicPr>
+              <p:nvPr/>
+            </p:nvPicPr>
+            <p:blipFill>
+              <a:blip r:embed="rId3" cstate="print">
+                <a:extLst>
+                  <a:ext uri="{28A0092B-C50C-407E-A947-70E740481C1C}">
+                    <a14:useLocalDpi xmlns:a14="http://schemas.microsoft.com/office/drawing/2010/main" val="0"/>
+                  </a:ext>
+                </a:extLst>
+              </a:blip>
+              <a:stretch>
+                <a:fillRect/>
+              </a:stretch>
+            </p:blipFill>
+            <p:spPr>
+              <a:xfrm>
+                <a:off x="1960371" y="1981734"/>
+                <a:ext cx="805822" cy="960602"/>
+              </a:xfrm>
+              <a:prstGeom prst="rect">
+                <a:avLst/>
+              </a:prstGeom>
+            </p:spPr>
+          </p:pic>
+          <p:pic>
+            <p:nvPicPr>
+              <p:cNvPr id="4" name="Picture 3"/>
+              <p:cNvPicPr>
+                <a:picLocks noChangeAspect="1"/>
+              </p:cNvPicPr>
+              <p:nvPr/>
+            </p:nvPicPr>
+            <p:blipFill>
+              <a:blip r:embed="rId4"/>
+              <a:stretch>
+                <a:fillRect/>
+              </a:stretch>
+            </p:blipFill>
+            <p:spPr>
+              <a:xfrm>
+                <a:off x="2841446" y="1975238"/>
+                <a:ext cx="354893" cy="354893"/>
+              </a:xfrm>
+              <a:prstGeom prst="rect">
+                <a:avLst/>
+              </a:prstGeom>
+            </p:spPr>
+          </p:pic>
+          <p:pic>
+            <p:nvPicPr>
+              <p:cNvPr id="10" name="Picture 9"/>
+              <p:cNvPicPr>
+                <a:picLocks noChangeAspect="1"/>
+              </p:cNvPicPr>
+              <p:nvPr/>
+            </p:nvPicPr>
+            <p:blipFill>
+              <a:blip r:embed="rId5"/>
+              <a:stretch>
+                <a:fillRect/>
+              </a:stretch>
+            </p:blipFill>
+            <p:spPr>
+              <a:xfrm>
+                <a:off x="2862697" y="2330129"/>
+                <a:ext cx="333641" cy="309299"/>
+              </a:xfrm>
+              <a:prstGeom prst="rect">
+                <a:avLst/>
+              </a:prstGeom>
+            </p:spPr>
+          </p:pic>
+          <p:pic>
+            <p:nvPicPr>
+              <p:cNvPr id="11" name="Picture 10"/>
+              <p:cNvPicPr>
+                <a:picLocks noChangeAspect="1"/>
+              </p:cNvPicPr>
+              <p:nvPr/>
+            </p:nvPicPr>
+            <p:blipFill rotWithShape="1">
+              <a:blip r:embed="rId6"/>
+              <a:srcRect l="32462" t="21428" r="29077" b="44572"/>
+              <a:stretch/>
+            </p:blipFill>
+            <p:spPr>
+              <a:xfrm rot="186362">
+                <a:off x="2874221" y="2648488"/>
+                <a:ext cx="325033" cy="309431"/>
+              </a:xfrm>
+              <a:prstGeom prst="rect">
+                <a:avLst/>
+              </a:prstGeom>
+            </p:spPr>
+          </p:pic>
+        </p:grpSp>
       </p:grpSp>
     </p:spTree>
     <p:extLst>

--- a/Fig. 1_updated0 -to Nicole.pptx
+++ b/Fig. 1_updated0 -to Nicole.pptx
@@ -201,7 +201,7 @@
           <a:p>
             <a:fld id="{50D27DF9-C019-47AF-AC01-E4894084BABB}" type="datetimeFigureOut">
               <a:rPr lang="en-US" smtClean="0"/>
-              <a:t>1/25/2023</a:t>
+              <a:t>1/27/2023</a:t>
             </a:fld>
             <a:endParaRPr lang="en-US"/>
           </a:p>
@@ -1019,7 +1019,7 @@
           <a:p>
             <a:fld id="{1F3CB690-AD3A-458D-BC2E-E09D8993389B}" type="datetimeFigureOut">
               <a:rPr lang="en-US" smtClean="0"/>
-              <a:t>1/25/2023</a:t>
+              <a:t>1/27/2023</a:t>
             </a:fld>
             <a:endParaRPr lang="en-US"/>
           </a:p>
@@ -1189,7 +1189,7 @@
           <a:p>
             <a:fld id="{1F3CB690-AD3A-458D-BC2E-E09D8993389B}" type="datetimeFigureOut">
               <a:rPr lang="en-US" smtClean="0"/>
-              <a:t>1/25/2023</a:t>
+              <a:t>1/27/2023</a:t>
             </a:fld>
             <a:endParaRPr lang="en-US"/>
           </a:p>
@@ -1369,7 +1369,7 @@
           <a:p>
             <a:fld id="{1F3CB690-AD3A-458D-BC2E-E09D8993389B}" type="datetimeFigureOut">
               <a:rPr lang="en-US" smtClean="0"/>
-              <a:t>1/25/2023</a:t>
+              <a:t>1/27/2023</a:t>
             </a:fld>
             <a:endParaRPr lang="en-US"/>
           </a:p>
@@ -1539,7 +1539,7 @@
           <a:p>
             <a:fld id="{1F3CB690-AD3A-458D-BC2E-E09D8993389B}" type="datetimeFigureOut">
               <a:rPr lang="en-US" smtClean="0"/>
-              <a:t>1/25/2023</a:t>
+              <a:t>1/27/2023</a:t>
             </a:fld>
             <a:endParaRPr lang="en-US"/>
           </a:p>
@@ -1783,7 +1783,7 @@
           <a:p>
             <a:fld id="{1F3CB690-AD3A-458D-BC2E-E09D8993389B}" type="datetimeFigureOut">
               <a:rPr lang="en-US" smtClean="0"/>
-              <a:t>1/25/2023</a:t>
+              <a:t>1/27/2023</a:t>
             </a:fld>
             <a:endParaRPr lang="en-US"/>
           </a:p>
@@ -2015,7 +2015,7 @@
           <a:p>
             <a:fld id="{1F3CB690-AD3A-458D-BC2E-E09D8993389B}" type="datetimeFigureOut">
               <a:rPr lang="en-US" smtClean="0"/>
-              <a:t>1/25/2023</a:t>
+              <a:t>1/27/2023</a:t>
             </a:fld>
             <a:endParaRPr lang="en-US"/>
           </a:p>
@@ -2382,7 +2382,7 @@
           <a:p>
             <a:fld id="{1F3CB690-AD3A-458D-BC2E-E09D8993389B}" type="datetimeFigureOut">
               <a:rPr lang="en-US" smtClean="0"/>
-              <a:t>1/25/2023</a:t>
+              <a:t>1/27/2023</a:t>
             </a:fld>
             <a:endParaRPr lang="en-US"/>
           </a:p>
@@ -2500,7 +2500,7 @@
           <a:p>
             <a:fld id="{1F3CB690-AD3A-458D-BC2E-E09D8993389B}" type="datetimeFigureOut">
               <a:rPr lang="en-US" smtClean="0"/>
-              <a:t>1/25/2023</a:t>
+              <a:t>1/27/2023</a:t>
             </a:fld>
             <a:endParaRPr lang="en-US"/>
           </a:p>
@@ -2595,7 +2595,7 @@
           <a:p>
             <a:fld id="{1F3CB690-AD3A-458D-BC2E-E09D8993389B}" type="datetimeFigureOut">
               <a:rPr lang="en-US" smtClean="0"/>
-              <a:t>1/25/2023</a:t>
+              <a:t>1/27/2023</a:t>
             </a:fld>
             <a:endParaRPr lang="en-US"/>
           </a:p>
@@ -2872,7 +2872,7 @@
           <a:p>
             <a:fld id="{1F3CB690-AD3A-458D-BC2E-E09D8993389B}" type="datetimeFigureOut">
               <a:rPr lang="en-US" smtClean="0"/>
-              <a:t>1/25/2023</a:t>
+              <a:t>1/27/2023</a:t>
             </a:fld>
             <a:endParaRPr lang="en-US"/>
           </a:p>
@@ -3129,7 +3129,7 @@
           <a:p>
             <a:fld id="{1F3CB690-AD3A-458D-BC2E-E09D8993389B}" type="datetimeFigureOut">
               <a:rPr lang="en-US" smtClean="0"/>
-              <a:t>1/25/2023</a:t>
+              <a:t>1/27/2023</a:t>
             </a:fld>
             <a:endParaRPr lang="en-US"/>
           </a:p>
@@ -3342,7 +3342,7 @@
           <a:p>
             <a:fld id="{1F3CB690-AD3A-458D-BC2E-E09D8993389B}" type="datetimeFigureOut">
               <a:rPr lang="en-US" smtClean="0"/>
-              <a:t>1/25/2023</a:t>
+              <a:t>1/27/2023</a:t>
             </a:fld>
             <a:endParaRPr lang="en-US"/>
           </a:p>
@@ -4534,7 +4534,7 @@
         </p:nvGrpSpPr>
         <p:grpSpPr>
           <a:xfrm>
-            <a:off x="1384300" y="1041400"/>
+            <a:off x="1356591" y="1041400"/>
             <a:ext cx="7016750" cy="3721100"/>
             <a:chOff x="1384300" y="1041400"/>
             <a:chExt cx="7016750" cy="3721100"/>
@@ -4608,10 +4608,10 @@
           </p:nvGrpSpPr>
           <p:grpSpPr>
             <a:xfrm>
-              <a:off x="1651001" y="1676403"/>
-              <a:ext cx="6430428" cy="2083067"/>
-              <a:chOff x="2972190" y="4022240"/>
-              <a:chExt cx="2443805" cy="562007"/>
+              <a:off x="2233353" y="1823249"/>
+              <a:ext cx="5248100" cy="1734899"/>
+              <a:chOff x="3193506" y="4061859"/>
+              <a:chExt cx="1994476" cy="468072"/>
             </a:xfrm>
           </p:grpSpPr>
           <p:pic>
@@ -4635,8 +4635,8 @@
             </p:blipFill>
             <p:spPr bwMode="auto">
               <a:xfrm>
-                <a:off x="4380333" y="4022240"/>
-                <a:ext cx="1035662" cy="562007"/>
+                <a:off x="4327799" y="4061859"/>
+                <a:ext cx="860183" cy="468072"/>
               </a:xfrm>
               <a:prstGeom prst="rect">
                 <a:avLst/>
@@ -4655,8 +4655,8 @@
             </p:nvSpPr>
             <p:spPr>
               <a:xfrm>
-                <a:off x="4162366" y="4169022"/>
-                <a:ext cx="154016" cy="234778"/>
+                <a:off x="4140445" y="4197949"/>
+                <a:ext cx="154016" cy="176923"/>
               </a:xfrm>
               <a:prstGeom prst="rightArrow">
                 <a:avLst/>
@@ -4714,8 +4714,8 @@
             </p:blipFill>
             <p:spPr>
               <a:xfrm>
-                <a:off x="2972190" y="4224821"/>
-                <a:ext cx="1126225" cy="178979"/>
+                <a:off x="3193506" y="4238082"/>
+                <a:ext cx="913601" cy="96657"/>
               </a:xfrm>
               <a:prstGeom prst="rect">
                 <a:avLst/>
@@ -4920,10 +4920,10 @@
           </p:nvGrpSpPr>
           <p:grpSpPr>
             <a:xfrm>
-              <a:off x="2436576" y="2040174"/>
-              <a:ext cx="3951768" cy="2971881"/>
-              <a:chOff x="1960371" y="1975238"/>
-              <a:chExt cx="1238883" cy="982681"/>
+              <a:off x="2635636" y="2209803"/>
+              <a:ext cx="3713459" cy="2710132"/>
+              <a:chOff x="2022777" y="2031327"/>
+              <a:chExt cx="1164173" cy="896131"/>
             </a:xfrm>
           </p:grpSpPr>
           <p:pic>
@@ -4954,8 +4954,8 @@
             </p:blipFill>
             <p:spPr>
               <a:xfrm>
-                <a:off x="1960371" y="1981734"/>
-                <a:ext cx="805822" cy="960602"/>
+                <a:off x="2022777" y="2031327"/>
+                <a:ext cx="748368" cy="892112"/>
               </a:xfrm>
               <a:prstGeom prst="rect">
                 <a:avLst/>
@@ -4978,8 +4978,8 @@
             </p:blipFill>
             <p:spPr>
               <a:xfrm>
-                <a:off x="2841446" y="1975238"/>
-                <a:ext cx="354893" cy="354893"/>
+                <a:off x="2855887" y="2034719"/>
+                <a:ext cx="318323" cy="318323"/>
               </a:xfrm>
               <a:prstGeom prst="rect">
                 <a:avLst/>
@@ -5002,8 +5002,8 @@
             </p:blipFill>
             <p:spPr>
               <a:xfrm>
-                <a:off x="2862697" y="2330129"/>
-                <a:ext cx="333641" cy="309299"/>
+                <a:off x="2878016" y="2353042"/>
+                <a:ext cx="285424" cy="264600"/>
               </a:xfrm>
               <a:prstGeom prst="rect">
                 <a:avLst/>
@@ -5025,8 +5025,8 @@
             </p:blipFill>
             <p:spPr>
               <a:xfrm rot="186362">
-                <a:off x="2874221" y="2648488"/>
-                <a:ext cx="325033" cy="309431"/>
+                <a:off x="2881792" y="2636948"/>
+                <a:ext cx="305158" cy="290510"/>
               </a:xfrm>
               <a:prstGeom prst="rect">
                 <a:avLst/>
